--- a/slides/A-01-02-Proofs-Structure.pptx
+++ b/slides/A-01-02-Proofs-Structure.pptx
@@ -5,14 +5,17 @@
     <p:sldMasterId id="2147483649" r:id="rId1"/>
   </p:sldMasterIdLst>
   <p:notesMasterIdLst>
-    <p:notesMasterId r:id="rId4"/>
+    <p:notesMasterId r:id="rId7"/>
   </p:notesMasterIdLst>
   <p:handoutMasterIdLst>
-    <p:handoutMasterId r:id="rId5"/>
+    <p:handoutMasterId r:id="rId8"/>
   </p:handoutMasterIdLst>
   <p:sldIdLst>
     <p:sldId id="258" r:id="rId2"/>
     <p:sldId id="1911" r:id="rId3"/>
+    <p:sldId id="1912" r:id="rId4"/>
+    <p:sldId id="1914" r:id="rId5"/>
+    <p:sldId id="1913" r:id="rId6"/>
   </p:sldIdLst>
   <p:sldSz cx="9144000" cy="6858000" type="screen4x3"/>
   <p:notesSz cx="6858000" cy="9144000"/>
@@ -1131,6 +1134,543 @@
     <p:extLst>
       <p:ext uri="{BB962C8B-B14F-4D97-AF65-F5344CB8AC3E}">
         <p14:creationId xmlns:p14="http://schemas.microsoft.com/office/powerpoint/2010/main" val="2787644252"/>
+      </p:ext>
+    </p:extLst>
+  </p:cSld>
+  <p:clrMapOvr>
+    <a:masterClrMapping/>
+  </p:clrMapOvr>
+</p:notes>
+</file>
+
+<file path=ppt/notesSlides/notesSlide3.xml><?xml version="1.0" encoding="utf-8"?>
+<p:notes xmlns:a="http://schemas.openxmlformats.org/drawingml/2006/main" xmlns:r="http://schemas.openxmlformats.org/officeDocument/2006/relationships" xmlns:p="http://schemas.openxmlformats.org/presentationml/2006/main">
+  <p:cSld>
+    <p:spTree>
+      <p:nvGrpSpPr>
+        <p:cNvPr id="1" name="">
+          <a:extLst>
+            <a:ext uri="{FF2B5EF4-FFF2-40B4-BE49-F238E27FC236}">
+              <a16:creationId xmlns:a16="http://schemas.microsoft.com/office/drawing/2014/main" id="{EFA2519B-F27B-E568-831B-274C828497D2}"/>
+            </a:ext>
+          </a:extLst>
+        </p:cNvPr>
+        <p:cNvGrpSpPr/>
+        <p:nvPr/>
+      </p:nvGrpSpPr>
+      <p:grpSpPr>
+        <a:xfrm>
+          <a:off x="0" y="0"/>
+          <a:ext cx="0" cy="0"/>
+          <a:chOff x="0" y="0"/>
+          <a:chExt cx="0" cy="0"/>
+        </a:xfrm>
+      </p:grpSpPr>
+      <p:sp>
+        <p:nvSpPr>
+          <p:cNvPr id="2" name="Slide Image Placeholder 1">
+            <a:extLst>
+              <a:ext uri="{FF2B5EF4-FFF2-40B4-BE49-F238E27FC236}">
+                <a16:creationId xmlns:a16="http://schemas.microsoft.com/office/drawing/2014/main" id="{E92D0874-8AE3-5F59-AFBE-90C3EB174D14}"/>
+              </a:ext>
+            </a:extLst>
+          </p:cNvPr>
+          <p:cNvSpPr>
+            <a:spLocks noGrp="1" noRot="1" noChangeAspect="1"/>
+          </p:cNvSpPr>
+          <p:nvPr>
+            <p:ph type="sldImg"/>
+          </p:nvPr>
+        </p:nvSpPr>
+        <p:spPr/>
+      </p:sp>
+      <p:sp>
+        <p:nvSpPr>
+          <p:cNvPr id="3" name="Notes Placeholder 2">
+            <a:extLst>
+              <a:ext uri="{FF2B5EF4-FFF2-40B4-BE49-F238E27FC236}">
+                <a16:creationId xmlns:a16="http://schemas.microsoft.com/office/drawing/2014/main" id="{60E48546-9DBD-C194-F9B4-AA6220B8B254}"/>
+              </a:ext>
+            </a:extLst>
+          </p:cNvPr>
+          <p:cNvSpPr>
+            <a:spLocks noGrp="1"/>
+          </p:cNvSpPr>
+          <p:nvPr>
+            <p:ph type="body" idx="1"/>
+          </p:nvPr>
+        </p:nvSpPr>
+        <p:spPr/>
+        <p:txBody>
+          <a:bodyPr/>
+          <a:lstStyle/>
+          <a:p>
+            <a:r>
+              <a:rPr lang="en-US" dirty="0">
+                <a:latin typeface="Tahoma" panose="020B0604030504040204" pitchFamily="34" charset="0"/>
+                <a:ea typeface="Tahoma" panose="020B0604030504040204" pitchFamily="34" charset="0"/>
+                <a:cs typeface="Tahoma" panose="020B0604030504040204" pitchFamily="34" charset="0"/>
+              </a:rPr>
+              <a:t>The framework that we will be using for this work is HAMR -- a model-driven development tool chain for high assurance embedded systems that emphasizes three layers of development:</a:t>
+            </a:r>
+          </a:p>
+          <a:p>
+            <a:endParaRPr lang="en-US" dirty="0">
+              <a:latin typeface="Tahoma" panose="020B0604030504040204" pitchFamily="34" charset="0"/>
+              <a:ea typeface="Tahoma" panose="020B0604030504040204" pitchFamily="34" charset="0"/>
+              <a:cs typeface="Tahoma" panose="020B0604030504040204" pitchFamily="34" charset="0"/>
+            </a:endParaRPr>
+          </a:p>
+          <a:p>
+            <a:r>
+              <a:rPr lang="en-US" dirty="0">
+                <a:latin typeface="Tahoma" panose="020B0604030504040204" pitchFamily="34" charset="0"/>
+                <a:ea typeface="Tahoma" panose="020B0604030504040204" pitchFamily="34" charset="0"/>
+                <a:cs typeface="Tahoma" panose="020B0604030504040204" pitchFamily="34" charset="0"/>
+              </a:rPr>
+              <a:t>Modeling, analysis and verification in the AADL modeling language, leveraging many tools in the AADL ecosystem</a:t>
+            </a:r>
+          </a:p>
+          <a:p>
+            <a:endParaRPr lang="en-US" dirty="0">
+              <a:latin typeface="Tahoma" panose="020B0604030504040204" pitchFamily="34" charset="0"/>
+              <a:ea typeface="Tahoma" panose="020B0604030504040204" pitchFamily="34" charset="0"/>
+              <a:cs typeface="Tahoma" panose="020B0604030504040204" pitchFamily="34" charset="0"/>
+            </a:endParaRPr>
+          </a:p>
+          <a:p>
+            <a:r>
+              <a:rPr lang="en-US" dirty="0">
+                <a:latin typeface="Tahoma" panose="020B0604030504040204" pitchFamily="34" charset="0"/>
+                <a:ea typeface="Tahoma" panose="020B0604030504040204" pitchFamily="34" charset="0"/>
+                <a:cs typeface="Tahoma" panose="020B0604030504040204" pitchFamily="34" charset="0"/>
+              </a:rPr>
+              <a:t>Development of component application logic in multiple languages include C and Slang (a safety-critical system of Scala with a contract verification framework, which can be translated to C)</a:t>
+            </a:r>
+          </a:p>
+          <a:p>
+            <a:endParaRPr lang="en-US" dirty="0">
+              <a:latin typeface="Tahoma" panose="020B0604030504040204" pitchFamily="34" charset="0"/>
+              <a:ea typeface="Tahoma" panose="020B0604030504040204" pitchFamily="34" charset="0"/>
+              <a:cs typeface="Tahoma" panose="020B0604030504040204" pitchFamily="34" charset="0"/>
+            </a:endParaRPr>
+          </a:p>
+          <a:p>
+            <a:r>
+              <a:rPr lang="en-US" dirty="0">
+                <a:latin typeface="Tahoma" panose="020B0604030504040204" pitchFamily="34" charset="0"/>
+                <a:ea typeface="Tahoma" panose="020B0604030504040204" pitchFamily="34" charset="0"/>
+                <a:cs typeface="Tahoma" panose="020B0604030504040204" pitchFamily="34" charset="0"/>
+              </a:rPr>
+              <a:t>Deployments on multiple platforms including seL4 verified microkernel.</a:t>
+            </a:r>
+          </a:p>
+          <a:p>
+            <a:endParaRPr lang="en-US" dirty="0">
+              <a:latin typeface="Tahoma" panose="020B0604030504040204" pitchFamily="34" charset="0"/>
+              <a:ea typeface="Tahoma" panose="020B0604030504040204" pitchFamily="34" charset="0"/>
+              <a:cs typeface="Tahoma" panose="020B0604030504040204" pitchFamily="34" charset="0"/>
+            </a:endParaRPr>
+          </a:p>
+        </p:txBody>
+      </p:sp>
+      <p:sp>
+        <p:nvSpPr>
+          <p:cNvPr id="4" name="Slide Number Placeholder 3">
+            <a:extLst>
+              <a:ext uri="{FF2B5EF4-FFF2-40B4-BE49-F238E27FC236}">
+                <a16:creationId xmlns:a16="http://schemas.microsoft.com/office/drawing/2014/main" id="{9C2F3F60-2487-07EE-6EFF-529AFE07725A}"/>
+              </a:ext>
+            </a:extLst>
+          </p:cNvPr>
+          <p:cNvSpPr>
+            <a:spLocks noGrp="1"/>
+          </p:cNvSpPr>
+          <p:nvPr>
+            <p:ph type="sldNum" sz="quarter" idx="5"/>
+          </p:nvPr>
+        </p:nvSpPr>
+        <p:spPr/>
+        <p:txBody>
+          <a:bodyPr/>
+          <a:lstStyle/>
+          <a:p>
+            <a:pPr>
+              <a:defRPr/>
+            </a:pPr>
+            <a:fld id="{2BFE2475-28EF-9A44-97D3-D2287C00B1B1}" type="slidenum">
+              <a:rPr lang="en-US" smtClean="0"/>
+              <a:pPr>
+                <a:defRPr/>
+              </a:pPr>
+              <a:t>3</a:t>
+            </a:fld>
+            <a:endParaRPr lang="en-US"/>
+          </a:p>
+        </p:txBody>
+      </p:sp>
+    </p:spTree>
+    <p:extLst>
+      <p:ext uri="{BB962C8B-B14F-4D97-AF65-F5344CB8AC3E}">
+        <p14:creationId xmlns:p14="http://schemas.microsoft.com/office/powerpoint/2010/main" val="1425047767"/>
+      </p:ext>
+    </p:extLst>
+  </p:cSld>
+  <p:clrMapOvr>
+    <a:masterClrMapping/>
+  </p:clrMapOvr>
+</p:notes>
+</file>
+
+<file path=ppt/notesSlides/notesSlide4.xml><?xml version="1.0" encoding="utf-8"?>
+<p:notes xmlns:a="http://schemas.openxmlformats.org/drawingml/2006/main" xmlns:r="http://schemas.openxmlformats.org/officeDocument/2006/relationships" xmlns:p="http://schemas.openxmlformats.org/presentationml/2006/main">
+  <p:cSld>
+    <p:spTree>
+      <p:nvGrpSpPr>
+        <p:cNvPr id="1" name="">
+          <a:extLst>
+            <a:ext uri="{FF2B5EF4-FFF2-40B4-BE49-F238E27FC236}">
+              <a16:creationId xmlns:a16="http://schemas.microsoft.com/office/drawing/2014/main" id="{86F8DE0B-F455-87E0-7CA2-21B869C09ADE}"/>
+            </a:ext>
+          </a:extLst>
+        </p:cNvPr>
+        <p:cNvGrpSpPr/>
+        <p:nvPr/>
+      </p:nvGrpSpPr>
+      <p:grpSpPr>
+        <a:xfrm>
+          <a:off x="0" y="0"/>
+          <a:ext cx="0" cy="0"/>
+          <a:chOff x="0" y="0"/>
+          <a:chExt cx="0" cy="0"/>
+        </a:xfrm>
+      </p:grpSpPr>
+      <p:sp>
+        <p:nvSpPr>
+          <p:cNvPr id="2" name="Slide Image Placeholder 1">
+            <a:extLst>
+              <a:ext uri="{FF2B5EF4-FFF2-40B4-BE49-F238E27FC236}">
+                <a16:creationId xmlns:a16="http://schemas.microsoft.com/office/drawing/2014/main" id="{1FF44C6B-AA71-4943-970C-D6DFFDAD432D}"/>
+              </a:ext>
+            </a:extLst>
+          </p:cNvPr>
+          <p:cNvSpPr>
+            <a:spLocks noGrp="1" noRot="1" noChangeAspect="1"/>
+          </p:cNvSpPr>
+          <p:nvPr>
+            <p:ph type="sldImg"/>
+          </p:nvPr>
+        </p:nvSpPr>
+        <p:spPr/>
+      </p:sp>
+      <p:sp>
+        <p:nvSpPr>
+          <p:cNvPr id="3" name="Notes Placeholder 2">
+            <a:extLst>
+              <a:ext uri="{FF2B5EF4-FFF2-40B4-BE49-F238E27FC236}">
+                <a16:creationId xmlns:a16="http://schemas.microsoft.com/office/drawing/2014/main" id="{8913E609-4BDD-D773-4EF6-B5C068C5D78B}"/>
+              </a:ext>
+            </a:extLst>
+          </p:cNvPr>
+          <p:cNvSpPr>
+            <a:spLocks noGrp="1"/>
+          </p:cNvSpPr>
+          <p:nvPr>
+            <p:ph type="body" idx="1"/>
+          </p:nvPr>
+        </p:nvSpPr>
+        <p:spPr/>
+        <p:txBody>
+          <a:bodyPr/>
+          <a:lstStyle/>
+          <a:p>
+            <a:r>
+              <a:rPr lang="en-US" dirty="0">
+                <a:latin typeface="Tahoma" panose="020B0604030504040204" pitchFamily="34" charset="0"/>
+                <a:ea typeface="Tahoma" panose="020B0604030504040204" pitchFamily="34" charset="0"/>
+                <a:cs typeface="Tahoma" panose="020B0604030504040204" pitchFamily="34" charset="0"/>
+              </a:rPr>
+              <a:t>The framework that we will be using for this work is HAMR -- a model-driven development tool chain for high assurance embedded systems that emphasizes three layers of development:</a:t>
+            </a:r>
+          </a:p>
+          <a:p>
+            <a:endParaRPr lang="en-US" dirty="0">
+              <a:latin typeface="Tahoma" panose="020B0604030504040204" pitchFamily="34" charset="0"/>
+              <a:ea typeface="Tahoma" panose="020B0604030504040204" pitchFamily="34" charset="0"/>
+              <a:cs typeface="Tahoma" panose="020B0604030504040204" pitchFamily="34" charset="0"/>
+            </a:endParaRPr>
+          </a:p>
+          <a:p>
+            <a:r>
+              <a:rPr lang="en-US" dirty="0">
+                <a:latin typeface="Tahoma" panose="020B0604030504040204" pitchFamily="34" charset="0"/>
+                <a:ea typeface="Tahoma" panose="020B0604030504040204" pitchFamily="34" charset="0"/>
+                <a:cs typeface="Tahoma" panose="020B0604030504040204" pitchFamily="34" charset="0"/>
+              </a:rPr>
+              <a:t>Modeling, analysis and verification in the AADL modeling language, leveraging many tools in the AADL ecosystem</a:t>
+            </a:r>
+          </a:p>
+          <a:p>
+            <a:endParaRPr lang="en-US" dirty="0">
+              <a:latin typeface="Tahoma" panose="020B0604030504040204" pitchFamily="34" charset="0"/>
+              <a:ea typeface="Tahoma" panose="020B0604030504040204" pitchFamily="34" charset="0"/>
+              <a:cs typeface="Tahoma" panose="020B0604030504040204" pitchFamily="34" charset="0"/>
+            </a:endParaRPr>
+          </a:p>
+          <a:p>
+            <a:r>
+              <a:rPr lang="en-US" dirty="0">
+                <a:latin typeface="Tahoma" panose="020B0604030504040204" pitchFamily="34" charset="0"/>
+                <a:ea typeface="Tahoma" panose="020B0604030504040204" pitchFamily="34" charset="0"/>
+                <a:cs typeface="Tahoma" panose="020B0604030504040204" pitchFamily="34" charset="0"/>
+              </a:rPr>
+              <a:t>Development of component application logic in multiple languages include C and Slang (a safety-critical system of Scala with a contract verification framework, which can be translated to C)</a:t>
+            </a:r>
+          </a:p>
+          <a:p>
+            <a:endParaRPr lang="en-US" dirty="0">
+              <a:latin typeface="Tahoma" panose="020B0604030504040204" pitchFamily="34" charset="0"/>
+              <a:ea typeface="Tahoma" panose="020B0604030504040204" pitchFamily="34" charset="0"/>
+              <a:cs typeface="Tahoma" panose="020B0604030504040204" pitchFamily="34" charset="0"/>
+            </a:endParaRPr>
+          </a:p>
+          <a:p>
+            <a:r>
+              <a:rPr lang="en-US" dirty="0">
+                <a:latin typeface="Tahoma" panose="020B0604030504040204" pitchFamily="34" charset="0"/>
+                <a:ea typeface="Tahoma" panose="020B0604030504040204" pitchFamily="34" charset="0"/>
+                <a:cs typeface="Tahoma" panose="020B0604030504040204" pitchFamily="34" charset="0"/>
+              </a:rPr>
+              <a:t>Deployments on multiple platforms including seL4 verified microkernel.</a:t>
+            </a:r>
+          </a:p>
+          <a:p>
+            <a:endParaRPr lang="en-US" dirty="0">
+              <a:latin typeface="Tahoma" panose="020B0604030504040204" pitchFamily="34" charset="0"/>
+              <a:ea typeface="Tahoma" panose="020B0604030504040204" pitchFamily="34" charset="0"/>
+              <a:cs typeface="Tahoma" panose="020B0604030504040204" pitchFamily="34" charset="0"/>
+            </a:endParaRPr>
+          </a:p>
+        </p:txBody>
+      </p:sp>
+      <p:sp>
+        <p:nvSpPr>
+          <p:cNvPr id="4" name="Slide Number Placeholder 3">
+            <a:extLst>
+              <a:ext uri="{FF2B5EF4-FFF2-40B4-BE49-F238E27FC236}">
+                <a16:creationId xmlns:a16="http://schemas.microsoft.com/office/drawing/2014/main" id="{B26E5A40-C12C-5A49-85C8-4A13AA1EE04F}"/>
+              </a:ext>
+            </a:extLst>
+          </p:cNvPr>
+          <p:cNvSpPr>
+            <a:spLocks noGrp="1"/>
+          </p:cNvSpPr>
+          <p:nvPr>
+            <p:ph type="sldNum" sz="quarter" idx="5"/>
+          </p:nvPr>
+        </p:nvSpPr>
+        <p:spPr/>
+        <p:txBody>
+          <a:bodyPr/>
+          <a:lstStyle/>
+          <a:p>
+            <a:pPr>
+              <a:defRPr/>
+            </a:pPr>
+            <a:fld id="{2BFE2475-28EF-9A44-97D3-D2287C00B1B1}" type="slidenum">
+              <a:rPr lang="en-US" smtClean="0"/>
+              <a:pPr>
+                <a:defRPr/>
+              </a:pPr>
+              <a:t>4</a:t>
+            </a:fld>
+            <a:endParaRPr lang="en-US"/>
+          </a:p>
+        </p:txBody>
+      </p:sp>
+    </p:spTree>
+    <p:extLst>
+      <p:ext uri="{BB962C8B-B14F-4D97-AF65-F5344CB8AC3E}">
+        <p14:creationId xmlns:p14="http://schemas.microsoft.com/office/powerpoint/2010/main" val="1411630716"/>
+      </p:ext>
+    </p:extLst>
+  </p:cSld>
+  <p:clrMapOvr>
+    <a:masterClrMapping/>
+  </p:clrMapOvr>
+</p:notes>
+</file>
+
+<file path=ppt/notesSlides/notesSlide5.xml><?xml version="1.0" encoding="utf-8"?>
+<p:notes xmlns:a="http://schemas.openxmlformats.org/drawingml/2006/main" xmlns:r="http://schemas.openxmlformats.org/officeDocument/2006/relationships" xmlns:p="http://schemas.openxmlformats.org/presentationml/2006/main">
+  <p:cSld>
+    <p:spTree>
+      <p:nvGrpSpPr>
+        <p:cNvPr id="1" name="">
+          <a:extLst>
+            <a:ext uri="{FF2B5EF4-FFF2-40B4-BE49-F238E27FC236}">
+              <a16:creationId xmlns:a16="http://schemas.microsoft.com/office/drawing/2014/main" id="{3A9FD74B-D2B4-67AB-D358-246CE8E1F078}"/>
+            </a:ext>
+          </a:extLst>
+        </p:cNvPr>
+        <p:cNvGrpSpPr/>
+        <p:nvPr/>
+      </p:nvGrpSpPr>
+      <p:grpSpPr>
+        <a:xfrm>
+          <a:off x="0" y="0"/>
+          <a:ext cx="0" cy="0"/>
+          <a:chOff x="0" y="0"/>
+          <a:chExt cx="0" cy="0"/>
+        </a:xfrm>
+      </p:grpSpPr>
+      <p:sp>
+        <p:nvSpPr>
+          <p:cNvPr id="2" name="Slide Image Placeholder 1">
+            <a:extLst>
+              <a:ext uri="{FF2B5EF4-FFF2-40B4-BE49-F238E27FC236}">
+                <a16:creationId xmlns:a16="http://schemas.microsoft.com/office/drawing/2014/main" id="{D540A8D0-8C46-2EDA-DAD9-22DF89C52F33}"/>
+              </a:ext>
+            </a:extLst>
+          </p:cNvPr>
+          <p:cNvSpPr>
+            <a:spLocks noGrp="1" noRot="1" noChangeAspect="1"/>
+          </p:cNvSpPr>
+          <p:nvPr>
+            <p:ph type="sldImg"/>
+          </p:nvPr>
+        </p:nvSpPr>
+        <p:spPr/>
+      </p:sp>
+      <p:sp>
+        <p:nvSpPr>
+          <p:cNvPr id="3" name="Notes Placeholder 2">
+            <a:extLst>
+              <a:ext uri="{FF2B5EF4-FFF2-40B4-BE49-F238E27FC236}">
+                <a16:creationId xmlns:a16="http://schemas.microsoft.com/office/drawing/2014/main" id="{FCCD86AD-E501-1450-CE64-EBBA6E66C0CA}"/>
+              </a:ext>
+            </a:extLst>
+          </p:cNvPr>
+          <p:cNvSpPr>
+            <a:spLocks noGrp="1"/>
+          </p:cNvSpPr>
+          <p:nvPr>
+            <p:ph type="body" idx="1"/>
+          </p:nvPr>
+        </p:nvSpPr>
+        <p:spPr/>
+        <p:txBody>
+          <a:bodyPr/>
+          <a:lstStyle/>
+          <a:p>
+            <a:r>
+              <a:rPr lang="en-US" dirty="0">
+                <a:latin typeface="Tahoma" panose="020B0604030504040204" pitchFamily="34" charset="0"/>
+                <a:ea typeface="Tahoma" panose="020B0604030504040204" pitchFamily="34" charset="0"/>
+                <a:cs typeface="Tahoma" panose="020B0604030504040204" pitchFamily="34" charset="0"/>
+              </a:rPr>
+              <a:t>The framework that we will be using for this work is HAMR -- a model-driven development tool chain for high assurance embedded systems that emphasizes three layers of development:</a:t>
+            </a:r>
+          </a:p>
+          <a:p>
+            <a:endParaRPr lang="en-US" dirty="0">
+              <a:latin typeface="Tahoma" panose="020B0604030504040204" pitchFamily="34" charset="0"/>
+              <a:ea typeface="Tahoma" panose="020B0604030504040204" pitchFamily="34" charset="0"/>
+              <a:cs typeface="Tahoma" panose="020B0604030504040204" pitchFamily="34" charset="0"/>
+            </a:endParaRPr>
+          </a:p>
+          <a:p>
+            <a:r>
+              <a:rPr lang="en-US" dirty="0">
+                <a:latin typeface="Tahoma" panose="020B0604030504040204" pitchFamily="34" charset="0"/>
+                <a:ea typeface="Tahoma" panose="020B0604030504040204" pitchFamily="34" charset="0"/>
+                <a:cs typeface="Tahoma" panose="020B0604030504040204" pitchFamily="34" charset="0"/>
+              </a:rPr>
+              <a:t>Modeling, analysis and verification in the AADL modeling language, leveraging many tools in the AADL ecosystem</a:t>
+            </a:r>
+          </a:p>
+          <a:p>
+            <a:endParaRPr lang="en-US" dirty="0">
+              <a:latin typeface="Tahoma" panose="020B0604030504040204" pitchFamily="34" charset="0"/>
+              <a:ea typeface="Tahoma" panose="020B0604030504040204" pitchFamily="34" charset="0"/>
+              <a:cs typeface="Tahoma" panose="020B0604030504040204" pitchFamily="34" charset="0"/>
+            </a:endParaRPr>
+          </a:p>
+          <a:p>
+            <a:r>
+              <a:rPr lang="en-US" dirty="0">
+                <a:latin typeface="Tahoma" panose="020B0604030504040204" pitchFamily="34" charset="0"/>
+                <a:ea typeface="Tahoma" panose="020B0604030504040204" pitchFamily="34" charset="0"/>
+                <a:cs typeface="Tahoma" panose="020B0604030504040204" pitchFamily="34" charset="0"/>
+              </a:rPr>
+              <a:t>Development of component application logic in multiple languages include C and Slang (a safety-critical system of Scala with a contract verification framework, which can be translated to C)</a:t>
+            </a:r>
+          </a:p>
+          <a:p>
+            <a:endParaRPr lang="en-US" dirty="0">
+              <a:latin typeface="Tahoma" panose="020B0604030504040204" pitchFamily="34" charset="0"/>
+              <a:ea typeface="Tahoma" panose="020B0604030504040204" pitchFamily="34" charset="0"/>
+              <a:cs typeface="Tahoma" panose="020B0604030504040204" pitchFamily="34" charset="0"/>
+            </a:endParaRPr>
+          </a:p>
+          <a:p>
+            <a:r>
+              <a:rPr lang="en-US" dirty="0">
+                <a:latin typeface="Tahoma" panose="020B0604030504040204" pitchFamily="34" charset="0"/>
+                <a:ea typeface="Tahoma" panose="020B0604030504040204" pitchFamily="34" charset="0"/>
+                <a:cs typeface="Tahoma" panose="020B0604030504040204" pitchFamily="34" charset="0"/>
+              </a:rPr>
+              <a:t>Deployments on multiple platforms including seL4 verified microkernel.</a:t>
+            </a:r>
+          </a:p>
+          <a:p>
+            <a:endParaRPr lang="en-US" dirty="0">
+              <a:latin typeface="Tahoma" panose="020B0604030504040204" pitchFamily="34" charset="0"/>
+              <a:ea typeface="Tahoma" panose="020B0604030504040204" pitchFamily="34" charset="0"/>
+              <a:cs typeface="Tahoma" panose="020B0604030504040204" pitchFamily="34" charset="0"/>
+            </a:endParaRPr>
+          </a:p>
+        </p:txBody>
+      </p:sp>
+      <p:sp>
+        <p:nvSpPr>
+          <p:cNvPr id="4" name="Slide Number Placeholder 3">
+            <a:extLst>
+              <a:ext uri="{FF2B5EF4-FFF2-40B4-BE49-F238E27FC236}">
+                <a16:creationId xmlns:a16="http://schemas.microsoft.com/office/drawing/2014/main" id="{77440BBB-DF38-9506-CF16-402792AF980A}"/>
+              </a:ext>
+            </a:extLst>
+          </p:cNvPr>
+          <p:cNvSpPr>
+            <a:spLocks noGrp="1"/>
+          </p:cNvSpPr>
+          <p:nvPr>
+            <p:ph type="sldNum" sz="quarter" idx="5"/>
+          </p:nvPr>
+        </p:nvSpPr>
+        <p:spPr/>
+        <p:txBody>
+          <a:bodyPr/>
+          <a:lstStyle/>
+          <a:p>
+            <a:pPr>
+              <a:defRPr/>
+            </a:pPr>
+            <a:fld id="{2BFE2475-28EF-9A44-97D3-D2287C00B1B1}" type="slidenum">
+              <a:rPr lang="en-US" smtClean="0"/>
+              <a:pPr>
+                <a:defRPr/>
+              </a:pPr>
+              <a:t>5</a:t>
+            </a:fld>
+            <a:endParaRPr lang="en-US"/>
+          </a:p>
+        </p:txBody>
+      </p:sp>
+    </p:spTree>
+    <p:extLst>
+      <p:ext uri="{BB962C8B-B14F-4D97-AF65-F5344CB8AC3E}">
+        <p14:creationId xmlns:p14="http://schemas.microsoft.com/office/powerpoint/2010/main" val="455398068"/>
       </p:ext>
     </p:extLst>
   </p:cSld>
@@ -4429,7 +4969,7 @@
             </a:br>
             <a:r>
               <a:rPr lang="en-US" sz="4000" dirty="0"/>
-              <a:t>Proof and Rewriting</a:t>
+              <a:t>Proof and Structure</a:t>
             </a:r>
             <a:endParaRPr lang="en-US" sz="5400" dirty="0"/>
           </a:p>
@@ -4856,14 +5396,13 @@
           <a:lstStyle/>
           <a:p>
             <a:r>
-              <a:rPr lang="en-US" sz="3600" dirty="0"/>
-              <a:t>Proof in </a:t>
-            </a:r>
-            <a:r>
               <a:rPr lang="en-US" sz="3600" dirty="0" err="1"/>
               <a:t>Logika</a:t>
             </a:r>
-            <a:endParaRPr lang="en-US" sz="3600" dirty="0"/>
+            <a:r>
+              <a:rPr lang="en-US" sz="3600" dirty="0"/>
+              <a:t> Proof-Style</a:t>
+            </a:r>
           </a:p>
         </p:txBody>
       </p:sp>
@@ -4954,10 +5493,1228 @@
           </a:p>
         </p:txBody>
       </p:sp>
+      <p:sp>
+        <p:nvSpPr>
+          <p:cNvPr id="4" name="TextBox 3">
+            <a:extLst>
+              <a:ext uri="{FF2B5EF4-FFF2-40B4-BE49-F238E27FC236}">
+                <a16:creationId xmlns:a16="http://schemas.microsoft.com/office/drawing/2014/main" id="{98511B4E-5DFC-4E52-D075-19B31741EF65}"/>
+              </a:ext>
+            </a:extLst>
+          </p:cNvPr>
+          <p:cNvSpPr txBox="1"/>
+          <p:nvPr/>
+        </p:nvSpPr>
+        <p:spPr>
+          <a:xfrm>
+            <a:off x="533400" y="1600200"/>
+            <a:ext cx="7391400" cy="3416320"/>
+          </a:xfrm>
+          <a:prstGeom prst="rect">
+            <a:avLst/>
+          </a:prstGeom>
+          <a:noFill/>
+        </p:spPr>
+        <p:txBody>
+          <a:bodyPr wrap="square" rtlCol="0">
+            <a:spAutoFit/>
+          </a:bodyPr>
+          <a:lstStyle/>
+          <a:p>
+            <a:pPr marL="285750" indent="-285750">
+              <a:buFont typeface="Arial" panose="020B0604020202020204" pitchFamily="34" charset="0"/>
+              <a:buChar char="•"/>
+            </a:pPr>
+            <a:r>
+              <a:rPr lang="en-GB" sz="1800" dirty="0" err="1"/>
+              <a:t>Logika</a:t>
+            </a:r>
+            <a:r>
+              <a:rPr lang="en-GB" sz="1800" dirty="0"/>
+              <a:t> accepts proofs in natural deduction style</a:t>
+            </a:r>
+          </a:p>
+          <a:p>
+            <a:pPr marL="285750" indent="-285750">
+              <a:buFont typeface="Arial" panose="020B0604020202020204" pitchFamily="34" charset="0"/>
+              <a:buChar char="•"/>
+            </a:pPr>
+            <a:r>
+              <a:rPr lang="en-GB" sz="1800" dirty="0"/>
+              <a:t>Proofs are linear sequences of facts</a:t>
+            </a:r>
+          </a:p>
+          <a:p>
+            <a:pPr marL="285750" indent="-285750">
+              <a:buFont typeface="Arial" panose="020B0604020202020204" pitchFamily="34" charset="0"/>
+              <a:buChar char="•"/>
+            </a:pPr>
+            <a:r>
+              <a:rPr lang="en-GB" sz="1800" dirty="0" err="1"/>
+              <a:t>Subproofs</a:t>
+            </a:r>
+            <a:r>
+              <a:rPr lang="en-GB" sz="1800" dirty="0"/>
+              <a:t> may begin with</a:t>
+            </a:r>
+          </a:p>
+          <a:p>
+            <a:pPr marL="742950" lvl="1" indent="-285750">
+              <a:buFont typeface="Arial" panose="020B0604020202020204" pitchFamily="34" charset="0"/>
+              <a:buChar char="•"/>
+            </a:pPr>
+            <a:r>
+              <a:rPr lang="en-GB" sz="1800" dirty="0"/>
+              <a:t>an assumption (</a:t>
+            </a:r>
+            <a:r>
+              <a:rPr lang="en-GB" sz="1800" dirty="0">
+                <a:solidFill>
+                  <a:srgbClr val="8922FD"/>
+                </a:solidFill>
+                <a:latin typeface="Menlo" panose="020B0609030804020204" pitchFamily="49" charset="0"/>
+                <a:ea typeface="Menlo" panose="020B0609030804020204" pitchFamily="49" charset="0"/>
+                <a:cs typeface="Menlo" panose="020B0609030804020204" pitchFamily="49" charset="0"/>
+              </a:rPr>
+              <a:t>Assume</a:t>
+            </a:r>
+            <a:r>
+              <a:rPr lang="en-GB" sz="1800" dirty="0"/>
+              <a:t>) that must be </a:t>
+            </a:r>
+            <a:r>
+              <a:rPr lang="en-GB" sz="1800" b="1" dirty="0"/>
+              <a:t>discharged</a:t>
+            </a:r>
+            <a:br>
+              <a:rPr lang="en-GB" sz="1800" dirty="0"/>
+            </a:br>
+            <a:r>
+              <a:rPr lang="en-GB" sz="1800" dirty="0"/>
+              <a:t>(implication proofs)</a:t>
+            </a:r>
+          </a:p>
+          <a:p>
+            <a:pPr marL="742950" lvl="1" indent="-285750">
+              <a:buFont typeface="Arial" panose="020B0604020202020204" pitchFamily="34" charset="0"/>
+              <a:buChar char="•"/>
+            </a:pPr>
+            <a:r>
+              <a:rPr lang="en-GB" sz="1800" dirty="0"/>
+              <a:t>a new variable (</a:t>
+            </a:r>
+            <a:r>
+              <a:rPr lang="en-GB" sz="1800" dirty="0">
+                <a:solidFill>
+                  <a:srgbClr val="8922FD"/>
+                </a:solidFill>
+                <a:latin typeface="Menlo" panose="020B0609030804020204" pitchFamily="49" charset="0"/>
+                <a:ea typeface="Menlo" panose="020B0609030804020204" pitchFamily="49" charset="0"/>
+                <a:cs typeface="Menlo" panose="020B0609030804020204" pitchFamily="49" charset="0"/>
+              </a:rPr>
+              <a:t>Let</a:t>
+            </a:r>
+            <a:r>
+              <a:rPr lang="en-GB" sz="1800" dirty="0"/>
+              <a:t>) that must be </a:t>
+            </a:r>
+            <a:r>
+              <a:rPr lang="en-GB" sz="1800" b="1" dirty="0"/>
+              <a:t>discharged</a:t>
+            </a:r>
+            <a:br>
+              <a:rPr lang="en-GB" sz="1800" dirty="0"/>
+            </a:br>
+            <a:r>
+              <a:rPr lang="en-GB" sz="1800" dirty="0"/>
+              <a:t>(universal quantification proofs)</a:t>
+            </a:r>
+          </a:p>
+          <a:p>
+            <a:pPr marL="285750" indent="-285750">
+              <a:buFont typeface="Arial" panose="020B0604020202020204" pitchFamily="34" charset="0"/>
+              <a:buChar char="•"/>
+            </a:pPr>
+            <a:r>
+              <a:rPr lang="en-GB" sz="1800" dirty="0" err="1"/>
+              <a:t>Subproofs</a:t>
+            </a:r>
+            <a:r>
+              <a:rPr lang="en-GB" sz="1800" dirty="0"/>
+              <a:t> can be provided for assertions (</a:t>
+            </a:r>
+            <a:r>
+              <a:rPr lang="en-GB" sz="1800" dirty="0">
+                <a:solidFill>
+                  <a:srgbClr val="8922FD"/>
+                </a:solidFill>
+                <a:latin typeface="Menlo" panose="020B0609030804020204" pitchFamily="49" charset="0"/>
+                <a:ea typeface="Menlo" panose="020B0609030804020204" pitchFamily="49" charset="0"/>
+                <a:cs typeface="Menlo" panose="020B0609030804020204" pitchFamily="49" charset="0"/>
+              </a:rPr>
+              <a:t>Assert</a:t>
+            </a:r>
+            <a:r>
+              <a:rPr lang="en-GB" sz="1800" dirty="0"/>
+              <a:t>)</a:t>
+            </a:r>
+            <a:br>
+              <a:rPr lang="en-GB" sz="1800" dirty="0"/>
+            </a:br>
+            <a:r>
+              <a:rPr lang="en-GB" sz="1800" dirty="0"/>
+              <a:t>(local lemmas, cut rule)</a:t>
+            </a:r>
+          </a:p>
+          <a:p>
+            <a:pPr marL="285750" indent="-285750">
+              <a:buFont typeface="Arial" panose="020B0604020202020204" pitchFamily="34" charset="0"/>
+              <a:buChar char="•"/>
+            </a:pPr>
+            <a:r>
+              <a:rPr lang="en-GB" sz="1800" dirty="0"/>
+              <a:t>In practice, such proofs look similar to structured programs</a:t>
+            </a:r>
+          </a:p>
+          <a:p>
+            <a:pPr marL="285750" indent="-285750">
+              <a:buFont typeface="Arial" panose="020B0604020202020204" pitchFamily="34" charset="0"/>
+              <a:buChar char="•"/>
+            </a:pPr>
+            <a:r>
+              <a:rPr lang="en-GB" sz="1800" dirty="0"/>
+              <a:t>There is a close analogy between natural deduction and functional programming</a:t>
+            </a:r>
+          </a:p>
+        </p:txBody>
+      </p:sp>
     </p:spTree>
     <p:extLst>
       <p:ext uri="{BB962C8B-B14F-4D97-AF65-F5344CB8AC3E}">
         <p14:creationId xmlns:p14="http://schemas.microsoft.com/office/powerpoint/2010/main" val="974532288"/>
+      </p:ext>
+    </p:extLst>
+  </p:cSld>
+  <p:clrMapOvr>
+    <a:masterClrMapping/>
+  </p:clrMapOvr>
+</p:sld>
+</file>
+
+<file path=ppt/slides/slide3.xml><?xml version="1.0" encoding="utf-8"?>
+<p:sld xmlns:a="http://schemas.openxmlformats.org/drawingml/2006/main" xmlns:r="http://schemas.openxmlformats.org/officeDocument/2006/relationships" xmlns:p="http://schemas.openxmlformats.org/presentationml/2006/main">
+  <p:cSld>
+    <p:spTree>
+      <p:nvGrpSpPr>
+        <p:cNvPr id="1" name="">
+          <a:extLst>
+            <a:ext uri="{FF2B5EF4-FFF2-40B4-BE49-F238E27FC236}">
+              <a16:creationId xmlns:a16="http://schemas.microsoft.com/office/drawing/2014/main" id="{CAAB1902-EC9B-9428-0560-214CCF4B60EC}"/>
+            </a:ext>
+          </a:extLst>
+        </p:cNvPr>
+        <p:cNvGrpSpPr/>
+        <p:nvPr/>
+      </p:nvGrpSpPr>
+      <p:grpSpPr>
+        <a:xfrm>
+          <a:off x="0" y="0"/>
+          <a:ext cx="0" cy="0"/>
+          <a:chOff x="0" y="0"/>
+          <a:chExt cx="0" cy="0"/>
+        </a:xfrm>
+      </p:grpSpPr>
+      <p:sp>
+        <p:nvSpPr>
+          <p:cNvPr id="2" name="Title 1">
+            <a:extLst>
+              <a:ext uri="{FF2B5EF4-FFF2-40B4-BE49-F238E27FC236}">
+                <a16:creationId xmlns:a16="http://schemas.microsoft.com/office/drawing/2014/main" id="{18F2C4EB-123B-4F26-001A-A10E8A61FCF9}"/>
+              </a:ext>
+            </a:extLst>
+          </p:cNvPr>
+          <p:cNvSpPr>
+            <a:spLocks noGrp="1"/>
+          </p:cNvSpPr>
+          <p:nvPr>
+            <p:ph type="title"/>
+          </p:nvPr>
+        </p:nvSpPr>
+        <p:spPr/>
+        <p:txBody>
+          <a:bodyPr/>
+          <a:lstStyle/>
+          <a:p>
+            <a:r>
+              <a:rPr lang="en-US" sz="3600" dirty="0"/>
+              <a:t>Structured Proof in </a:t>
+            </a:r>
+            <a:r>
+              <a:rPr lang="en-US" sz="3600" dirty="0" err="1"/>
+              <a:t>Logika</a:t>
+            </a:r>
+            <a:endParaRPr lang="en-US" sz="3600" dirty="0"/>
+          </a:p>
+        </p:txBody>
+      </p:sp>
+      <p:sp>
+        <p:nvSpPr>
+          <p:cNvPr id="128" name="Slide Number Placeholder 127">
+            <a:extLst>
+              <a:ext uri="{FF2B5EF4-FFF2-40B4-BE49-F238E27FC236}">
+                <a16:creationId xmlns:a16="http://schemas.microsoft.com/office/drawing/2014/main" id="{651B9536-CE76-DC8C-3E6B-34B5AC8B78EA}"/>
+              </a:ext>
+            </a:extLst>
+          </p:cNvPr>
+          <p:cNvSpPr>
+            <a:spLocks noGrp="1"/>
+          </p:cNvSpPr>
+          <p:nvPr>
+            <p:ph type="sldNum" sz="quarter" idx="11"/>
+          </p:nvPr>
+        </p:nvSpPr>
+        <p:spPr/>
+        <p:txBody>
+          <a:bodyPr/>
+          <a:lstStyle/>
+          <a:p>
+            <a:pPr>
+              <a:defRPr/>
+            </a:pPr>
+            <a:fld id="{6E0AA622-F4CE-604D-A669-CD3D12FC535C}" type="slidenum">
+              <a:rPr lang="en-US" smtClean="0"/>
+              <a:pPr>
+                <a:defRPr/>
+              </a:pPr>
+              <a:t>3</a:t>
+            </a:fld>
+            <a:endParaRPr lang="en-US" dirty="0"/>
+          </a:p>
+        </p:txBody>
+      </p:sp>
+      <p:sp>
+        <p:nvSpPr>
+          <p:cNvPr id="3" name="TextBox 2">
+            <a:extLst>
+              <a:ext uri="{FF2B5EF4-FFF2-40B4-BE49-F238E27FC236}">
+                <a16:creationId xmlns:a16="http://schemas.microsoft.com/office/drawing/2014/main" id="{D308DE41-1805-D51A-CDC8-3C595827CF03}"/>
+              </a:ext>
+            </a:extLst>
+          </p:cNvPr>
+          <p:cNvSpPr txBox="1"/>
+          <p:nvPr/>
+        </p:nvSpPr>
+        <p:spPr>
+          <a:xfrm>
+            <a:off x="381000" y="1158925"/>
+            <a:ext cx="8016766" cy="338554"/>
+          </a:xfrm>
+          <a:prstGeom prst="rect">
+            <a:avLst/>
+          </a:prstGeom>
+          <a:gradFill flip="none" rotWithShape="1">
+            <a:gsLst>
+              <a:gs pos="0">
+                <a:schemeClr val="bg1"/>
+              </a:gs>
+              <a:gs pos="74000">
+                <a:srgbClr val="FFE267"/>
+              </a:gs>
+              <a:gs pos="83000">
+                <a:srgbClr val="FFE267"/>
+              </a:gs>
+              <a:gs pos="100000">
+                <a:srgbClr val="FFE267"/>
+              </a:gs>
+            </a:gsLst>
+            <a:lin ang="10800000" scaled="1"/>
+            <a:tileRect/>
+          </a:gradFill>
+        </p:spPr>
+        <p:txBody>
+          <a:bodyPr wrap="square" rtlCol="0">
+            <a:spAutoFit/>
+          </a:bodyPr>
+          <a:lstStyle/>
+          <a:p>
+            <a:r>
+              <a:rPr lang="en-US" sz="1600" dirty="0"/>
+              <a:t>Quantifier proofs with </a:t>
+            </a:r>
+            <a:r>
+              <a:rPr lang="en-US" sz="1600" dirty="0">
+                <a:solidFill>
+                  <a:srgbClr val="8922FD"/>
+                </a:solidFill>
+                <a:latin typeface="Menlo" panose="020B0609030804020204" pitchFamily="49" charset="0"/>
+                <a:ea typeface="Menlo" panose="020B0609030804020204" pitchFamily="49" charset="0"/>
+                <a:cs typeface="Menlo" panose="020B0609030804020204" pitchFamily="49" charset="0"/>
+              </a:rPr>
+              <a:t>Assume</a:t>
+            </a:r>
+            <a:r>
+              <a:rPr lang="en-US" sz="1600" dirty="0"/>
+              <a:t> and </a:t>
+            </a:r>
+            <a:r>
+              <a:rPr lang="en-US" sz="1600" dirty="0">
+                <a:solidFill>
+                  <a:srgbClr val="8922FD"/>
+                </a:solidFill>
+                <a:latin typeface="Menlo" panose="020B0609030804020204" pitchFamily="49" charset="0"/>
+                <a:ea typeface="Menlo" panose="020B0609030804020204" pitchFamily="49" charset="0"/>
+                <a:cs typeface="Menlo" panose="020B0609030804020204" pitchFamily="49" charset="0"/>
+              </a:rPr>
+              <a:t>Let</a:t>
+            </a:r>
+          </a:p>
+        </p:txBody>
+      </p:sp>
+      <p:pic>
+        <p:nvPicPr>
+          <p:cNvPr id="6" name="Picture 5" descr="A screenshot of a computer program&#10;&#10;Description automatically generated">
+            <a:extLst>
+              <a:ext uri="{FF2B5EF4-FFF2-40B4-BE49-F238E27FC236}">
+                <a16:creationId xmlns:a16="http://schemas.microsoft.com/office/drawing/2014/main" id="{ABF3183A-AB17-2E77-22A0-85E695BD4100}"/>
+              </a:ext>
+            </a:extLst>
+          </p:cNvPr>
+          <p:cNvPicPr>
+            <a:picLocks noChangeAspect="1"/>
+          </p:cNvPicPr>
+          <p:nvPr/>
+        </p:nvPicPr>
+        <p:blipFill>
+          <a:blip r:embed="rId3"/>
+          <a:stretch>
+            <a:fillRect/>
+          </a:stretch>
+        </p:blipFill>
+        <p:spPr>
+          <a:xfrm>
+            <a:off x="627077" y="1513404"/>
+            <a:ext cx="8046041" cy="5268396"/>
+          </a:xfrm>
+          <a:prstGeom prst="rect">
+            <a:avLst/>
+          </a:prstGeom>
+        </p:spPr>
+      </p:pic>
+      <p:sp>
+        <p:nvSpPr>
+          <p:cNvPr id="7" name="TextBox 6">
+            <a:extLst>
+              <a:ext uri="{FF2B5EF4-FFF2-40B4-BE49-F238E27FC236}">
+                <a16:creationId xmlns:a16="http://schemas.microsoft.com/office/drawing/2014/main" id="{D8994952-DB74-2992-9B38-344FCFAE9052}"/>
+              </a:ext>
+            </a:extLst>
+          </p:cNvPr>
+          <p:cNvSpPr txBox="1"/>
+          <p:nvPr/>
+        </p:nvSpPr>
+        <p:spPr>
+          <a:xfrm>
+            <a:off x="4384246" y="2362200"/>
+            <a:ext cx="4607354" cy="3416320"/>
+          </a:xfrm>
+          <a:prstGeom prst="rect">
+            <a:avLst/>
+          </a:prstGeom>
+          <a:gradFill flip="none" rotWithShape="1">
+            <a:gsLst>
+              <a:gs pos="0">
+                <a:schemeClr val="accent2">
+                  <a:lumMod val="5000"/>
+                  <a:lumOff val="95000"/>
+                </a:schemeClr>
+              </a:gs>
+              <a:gs pos="74000">
+                <a:schemeClr val="accent2">
+                  <a:lumMod val="45000"/>
+                  <a:lumOff val="55000"/>
+                </a:schemeClr>
+              </a:gs>
+              <a:gs pos="83000">
+                <a:schemeClr val="accent2">
+                  <a:lumMod val="45000"/>
+                  <a:lumOff val="55000"/>
+                </a:schemeClr>
+              </a:gs>
+              <a:gs pos="100000">
+                <a:schemeClr val="accent2">
+                  <a:lumMod val="30000"/>
+                  <a:lumOff val="70000"/>
+                </a:schemeClr>
+              </a:gs>
+            </a:gsLst>
+            <a:lin ang="10800000" scaled="1"/>
+            <a:tileRect/>
+          </a:gradFill>
+        </p:spPr>
+        <p:txBody>
+          <a:bodyPr wrap="square" rtlCol="0">
+            <a:spAutoFit/>
+          </a:bodyPr>
+          <a:lstStyle/>
+          <a:p>
+            <a:pPr marL="285750" indent="-285750">
+              <a:buFont typeface="Arial" panose="020B0604020202020204" pitchFamily="34" charset="0"/>
+              <a:buChar char="•"/>
+            </a:pPr>
+            <a:r>
+              <a:rPr lang="en-GB" sz="1800" dirty="0"/>
+              <a:t>The first </a:t>
+            </a:r>
+            <a:r>
+              <a:rPr lang="en-GB" sz="1800" dirty="0">
+                <a:solidFill>
+                  <a:srgbClr val="8922FD"/>
+                </a:solidFill>
+                <a:latin typeface="Menlo" panose="020B0609030804020204" pitchFamily="49" charset="0"/>
+                <a:ea typeface="Menlo" panose="020B0609030804020204" pitchFamily="49" charset="0"/>
+                <a:cs typeface="Menlo" panose="020B0609030804020204" pitchFamily="49" charset="0"/>
+              </a:rPr>
+              <a:t>Let</a:t>
+            </a:r>
+            <a:r>
+              <a:rPr lang="en-GB" sz="1800" dirty="0"/>
+              <a:t>/</a:t>
+            </a:r>
+            <a:r>
+              <a:rPr lang="en-GB" sz="1800" dirty="0">
+                <a:solidFill>
+                  <a:srgbClr val="8922FD"/>
+                </a:solidFill>
+                <a:latin typeface="Menlo" panose="020B0609030804020204" pitchFamily="49" charset="0"/>
+                <a:ea typeface="Menlo" panose="020B0609030804020204" pitchFamily="49" charset="0"/>
+                <a:cs typeface="Menlo" panose="020B0609030804020204" pitchFamily="49" charset="0"/>
+              </a:rPr>
+              <a:t>Assume</a:t>
+            </a:r>
+            <a:r>
+              <a:rPr lang="en-GB" sz="1800" dirty="0"/>
+              <a:t> pair (</a:t>
+            </a:r>
+            <a:r>
+              <a:rPr lang="en-GB" sz="1800" dirty="0">
+                <a:solidFill>
+                  <a:srgbClr val="0070C0"/>
+                </a:solidFill>
+              </a:rPr>
+              <a:t>4</a:t>
+            </a:r>
+            <a:r>
+              <a:rPr lang="en-GB" sz="1800" dirty="0"/>
+              <a:t>/</a:t>
+            </a:r>
+            <a:r>
+              <a:rPr lang="en-GB" sz="1800" dirty="0">
+                <a:solidFill>
+                  <a:srgbClr val="0070C0"/>
+                </a:solidFill>
+              </a:rPr>
+              <a:t>5</a:t>
+            </a:r>
+            <a:r>
+              <a:rPr lang="en-GB" sz="1800" dirty="0"/>
+              <a:t>) introduces the abbreviation </a:t>
+            </a:r>
+            <a:r>
+              <a:rPr lang="en-GB" sz="1800" dirty="0" err="1"/>
+              <a:t>seqx</a:t>
+            </a:r>
+            <a:endParaRPr lang="en-GB" sz="1800" dirty="0"/>
+          </a:p>
+          <a:p>
+            <a:pPr marL="285750" indent="-285750">
+              <a:buFont typeface="Arial" panose="020B0604020202020204" pitchFamily="34" charset="0"/>
+              <a:buChar char="•"/>
+            </a:pPr>
+            <a:r>
+              <a:rPr lang="en-GB" sz="1800" dirty="0"/>
+              <a:t>The second </a:t>
+            </a:r>
+            <a:r>
+              <a:rPr lang="en-GB" sz="1800" dirty="0">
+                <a:solidFill>
+                  <a:srgbClr val="8922FD"/>
+                </a:solidFill>
+                <a:latin typeface="Menlo" panose="020B0609030804020204" pitchFamily="49" charset="0"/>
+                <a:ea typeface="Menlo" panose="020B0609030804020204" pitchFamily="49" charset="0"/>
+                <a:cs typeface="Menlo" panose="020B0609030804020204" pitchFamily="49" charset="0"/>
+              </a:rPr>
+              <a:t>Let</a:t>
+            </a:r>
+            <a:r>
+              <a:rPr lang="en-GB" sz="1800" dirty="0"/>
+              <a:t>/</a:t>
+            </a:r>
+            <a:r>
+              <a:rPr lang="en-GB" sz="1800" dirty="0">
+                <a:solidFill>
+                  <a:srgbClr val="8922FD"/>
+                </a:solidFill>
+                <a:latin typeface="Menlo" panose="020B0609030804020204" pitchFamily="49" charset="0"/>
+                <a:ea typeface="Menlo" panose="020B0609030804020204" pitchFamily="49" charset="0"/>
+                <a:cs typeface="Menlo" panose="020B0609030804020204" pitchFamily="49" charset="0"/>
+              </a:rPr>
+              <a:t>Assume</a:t>
+            </a:r>
+            <a:r>
+              <a:rPr lang="en-GB" sz="1800" dirty="0"/>
+              <a:t> pair (</a:t>
+            </a:r>
+            <a:r>
+              <a:rPr lang="en-GB" sz="1800" dirty="0">
+                <a:solidFill>
+                  <a:srgbClr val="0070C0"/>
+                </a:solidFill>
+              </a:rPr>
+              <a:t>6</a:t>
+            </a:r>
+            <a:r>
+              <a:rPr lang="en-GB" sz="1800" dirty="0"/>
+              <a:t>/</a:t>
+            </a:r>
+            <a:r>
+              <a:rPr lang="en-GB" sz="1800" dirty="0">
+                <a:solidFill>
+                  <a:srgbClr val="0070C0"/>
+                </a:solidFill>
+              </a:rPr>
+              <a:t>7</a:t>
+            </a:r>
+            <a:r>
+              <a:rPr lang="en-GB" sz="1800" dirty="0"/>
+              <a:t>) is discharged by the outer quantifier in 18</a:t>
+            </a:r>
+          </a:p>
+          <a:p>
+            <a:pPr marL="285750" indent="-285750">
+              <a:buFont typeface="Arial" panose="020B0604020202020204" pitchFamily="34" charset="0"/>
+              <a:buChar char="•"/>
+            </a:pPr>
+            <a:r>
+              <a:rPr lang="en-GB" sz="1800" dirty="0"/>
+              <a:t>The third </a:t>
+            </a:r>
+            <a:r>
+              <a:rPr lang="en-GB" sz="1800" dirty="0">
+                <a:solidFill>
+                  <a:srgbClr val="8922FD"/>
+                </a:solidFill>
+                <a:latin typeface="Menlo" panose="020B0609030804020204" pitchFamily="49" charset="0"/>
+                <a:ea typeface="Menlo" panose="020B0609030804020204" pitchFamily="49" charset="0"/>
+                <a:cs typeface="Menlo" panose="020B0609030804020204" pitchFamily="49" charset="0"/>
+              </a:rPr>
+              <a:t>Let</a:t>
+            </a:r>
+            <a:r>
+              <a:rPr lang="en-GB" sz="1800" dirty="0"/>
+              <a:t>/</a:t>
+            </a:r>
+            <a:r>
+              <a:rPr lang="en-GB" sz="1800" dirty="0">
+                <a:solidFill>
+                  <a:srgbClr val="8922FD"/>
+                </a:solidFill>
+                <a:latin typeface="Menlo" panose="020B0609030804020204" pitchFamily="49" charset="0"/>
+                <a:ea typeface="Menlo" panose="020B0609030804020204" pitchFamily="49" charset="0"/>
+                <a:cs typeface="Menlo" panose="020B0609030804020204" pitchFamily="49" charset="0"/>
+              </a:rPr>
+              <a:t>Assume</a:t>
+            </a:r>
+            <a:r>
+              <a:rPr lang="en-GB" sz="1800" dirty="0"/>
+              <a:t> pair (</a:t>
+            </a:r>
+            <a:r>
+              <a:rPr lang="en-GB" sz="1800" dirty="0">
+                <a:solidFill>
+                  <a:srgbClr val="0070C0"/>
+                </a:solidFill>
+              </a:rPr>
+              <a:t>8</a:t>
+            </a:r>
+            <a:r>
+              <a:rPr lang="en-GB" sz="1800" dirty="0"/>
+              <a:t>/</a:t>
+            </a:r>
+            <a:r>
+              <a:rPr lang="en-GB" sz="1800" dirty="0">
+                <a:solidFill>
+                  <a:srgbClr val="0070C0"/>
+                </a:solidFill>
+              </a:rPr>
+              <a:t>9</a:t>
+            </a:r>
+            <a:r>
+              <a:rPr lang="en-GB" sz="1800" dirty="0"/>
+              <a:t>) is discharged by the inner quantifier in 18</a:t>
+            </a:r>
+          </a:p>
+          <a:p>
+            <a:pPr marL="285750" indent="-285750">
+              <a:buFont typeface="Arial" panose="020B0604020202020204" pitchFamily="34" charset="0"/>
+              <a:buChar char="•"/>
+            </a:pPr>
+            <a:r>
+              <a:rPr lang="en-GB" sz="1800" dirty="0"/>
+              <a:t>Structured proof often helps the SMT solver by providing additional constraints </a:t>
+            </a:r>
+            <a:r>
+              <a:rPr lang="en-GB" sz="1800" b="1" dirty="0"/>
+              <a:t>reducing the proof search</a:t>
+            </a:r>
+          </a:p>
+          <a:p>
+            <a:pPr marL="285750" indent="-285750">
+              <a:buFont typeface="Arial" panose="020B0604020202020204" pitchFamily="34" charset="0"/>
+              <a:buChar char="•"/>
+            </a:pPr>
+            <a:r>
+              <a:rPr lang="en-GB" sz="1800" dirty="0"/>
+              <a:t>The shown proof is only natural deduction style – it relies entirely on the SMT solver for the facts (</a:t>
+            </a:r>
+            <a:r>
+              <a:rPr lang="en-GB" sz="1800" dirty="0">
+                <a:solidFill>
+                  <a:srgbClr val="8922FD"/>
+                </a:solidFill>
+              </a:rPr>
+              <a:t>Auto</a:t>
+            </a:r>
+            <a:r>
+              <a:rPr lang="en-GB" sz="1800" dirty="0"/>
+              <a:t>)</a:t>
+            </a:r>
+          </a:p>
+        </p:txBody>
+      </p:sp>
+    </p:spTree>
+    <p:extLst>
+      <p:ext uri="{BB962C8B-B14F-4D97-AF65-F5344CB8AC3E}">
+        <p14:creationId xmlns:p14="http://schemas.microsoft.com/office/powerpoint/2010/main" val="3558019795"/>
+      </p:ext>
+    </p:extLst>
+  </p:cSld>
+  <p:clrMapOvr>
+    <a:masterClrMapping/>
+  </p:clrMapOvr>
+</p:sld>
+</file>
+
+<file path=ppt/slides/slide4.xml><?xml version="1.0" encoding="utf-8"?>
+<p:sld xmlns:a="http://schemas.openxmlformats.org/drawingml/2006/main" xmlns:r="http://schemas.openxmlformats.org/officeDocument/2006/relationships" xmlns:p="http://schemas.openxmlformats.org/presentationml/2006/main">
+  <p:cSld>
+    <p:spTree>
+      <p:nvGrpSpPr>
+        <p:cNvPr id="1" name="">
+          <a:extLst>
+            <a:ext uri="{FF2B5EF4-FFF2-40B4-BE49-F238E27FC236}">
+              <a16:creationId xmlns:a16="http://schemas.microsoft.com/office/drawing/2014/main" id="{D332B198-CDBD-B5AC-5EE7-C4CD0CF1EEAB}"/>
+            </a:ext>
+          </a:extLst>
+        </p:cNvPr>
+        <p:cNvGrpSpPr/>
+        <p:nvPr/>
+      </p:nvGrpSpPr>
+      <p:grpSpPr>
+        <a:xfrm>
+          <a:off x="0" y="0"/>
+          <a:ext cx="0" cy="0"/>
+          <a:chOff x="0" y="0"/>
+          <a:chExt cx="0" cy="0"/>
+        </a:xfrm>
+      </p:grpSpPr>
+      <p:sp>
+        <p:nvSpPr>
+          <p:cNvPr id="2" name="Title 1">
+            <a:extLst>
+              <a:ext uri="{FF2B5EF4-FFF2-40B4-BE49-F238E27FC236}">
+                <a16:creationId xmlns:a16="http://schemas.microsoft.com/office/drawing/2014/main" id="{D9E144A5-C168-7254-FB7F-5770894859F5}"/>
+              </a:ext>
+            </a:extLst>
+          </p:cNvPr>
+          <p:cNvSpPr>
+            <a:spLocks noGrp="1"/>
+          </p:cNvSpPr>
+          <p:nvPr>
+            <p:ph type="title"/>
+          </p:nvPr>
+        </p:nvSpPr>
+        <p:spPr/>
+        <p:txBody>
+          <a:bodyPr/>
+          <a:lstStyle/>
+          <a:p>
+            <a:r>
+              <a:rPr lang="en-US" sz="3600" dirty="0"/>
+              <a:t>Structured Proof in </a:t>
+            </a:r>
+            <a:r>
+              <a:rPr lang="en-US" sz="3600" dirty="0" err="1"/>
+              <a:t>Logika</a:t>
+            </a:r>
+            <a:endParaRPr lang="en-US" sz="3600" dirty="0"/>
+          </a:p>
+        </p:txBody>
+      </p:sp>
+      <p:sp>
+        <p:nvSpPr>
+          <p:cNvPr id="128" name="Slide Number Placeholder 127">
+            <a:extLst>
+              <a:ext uri="{FF2B5EF4-FFF2-40B4-BE49-F238E27FC236}">
+                <a16:creationId xmlns:a16="http://schemas.microsoft.com/office/drawing/2014/main" id="{328470CF-7A21-CDE3-5206-B637F11CA645}"/>
+              </a:ext>
+            </a:extLst>
+          </p:cNvPr>
+          <p:cNvSpPr>
+            <a:spLocks noGrp="1"/>
+          </p:cNvSpPr>
+          <p:nvPr>
+            <p:ph type="sldNum" sz="quarter" idx="11"/>
+          </p:nvPr>
+        </p:nvSpPr>
+        <p:spPr/>
+        <p:txBody>
+          <a:bodyPr/>
+          <a:lstStyle/>
+          <a:p>
+            <a:pPr>
+              <a:defRPr/>
+            </a:pPr>
+            <a:fld id="{6E0AA622-F4CE-604D-A669-CD3D12FC535C}" type="slidenum">
+              <a:rPr lang="en-US" smtClean="0"/>
+              <a:pPr>
+                <a:defRPr/>
+              </a:pPr>
+              <a:t>4</a:t>
+            </a:fld>
+            <a:endParaRPr lang="en-US" dirty="0"/>
+          </a:p>
+        </p:txBody>
+      </p:sp>
+      <p:sp>
+        <p:nvSpPr>
+          <p:cNvPr id="3" name="TextBox 2">
+            <a:extLst>
+              <a:ext uri="{FF2B5EF4-FFF2-40B4-BE49-F238E27FC236}">
+                <a16:creationId xmlns:a16="http://schemas.microsoft.com/office/drawing/2014/main" id="{39FE0838-D838-1912-7FC6-307709162906}"/>
+              </a:ext>
+            </a:extLst>
+          </p:cNvPr>
+          <p:cNvSpPr txBox="1"/>
+          <p:nvPr/>
+        </p:nvSpPr>
+        <p:spPr>
+          <a:xfrm>
+            <a:off x="381000" y="1158925"/>
+            <a:ext cx="8016766" cy="338554"/>
+          </a:xfrm>
+          <a:prstGeom prst="rect">
+            <a:avLst/>
+          </a:prstGeom>
+          <a:gradFill flip="none" rotWithShape="1">
+            <a:gsLst>
+              <a:gs pos="0">
+                <a:schemeClr val="bg1"/>
+              </a:gs>
+              <a:gs pos="74000">
+                <a:srgbClr val="FFE267"/>
+              </a:gs>
+              <a:gs pos="83000">
+                <a:srgbClr val="FFE267"/>
+              </a:gs>
+              <a:gs pos="100000">
+                <a:srgbClr val="FFE267"/>
+              </a:gs>
+            </a:gsLst>
+            <a:lin ang="10800000" scaled="1"/>
+            <a:tileRect/>
+          </a:gradFill>
+        </p:spPr>
+        <p:txBody>
+          <a:bodyPr wrap="square" rtlCol="0">
+            <a:spAutoFit/>
+          </a:bodyPr>
+          <a:lstStyle/>
+          <a:p>
+            <a:r>
+              <a:rPr lang="en-US" sz="1600" dirty="0"/>
+              <a:t>Local lemmas with </a:t>
+            </a:r>
+            <a:r>
+              <a:rPr lang="en-US" sz="1600" dirty="0">
+                <a:solidFill>
+                  <a:srgbClr val="8922FD"/>
+                </a:solidFill>
+                <a:latin typeface="Menlo" panose="020B0609030804020204" pitchFamily="49" charset="0"/>
+                <a:ea typeface="Menlo" panose="020B0609030804020204" pitchFamily="49" charset="0"/>
+                <a:cs typeface="Menlo" panose="020B0609030804020204" pitchFamily="49" charset="0"/>
+              </a:rPr>
+              <a:t>Assert</a:t>
+            </a:r>
+          </a:p>
+        </p:txBody>
+      </p:sp>
+      <p:pic>
+        <p:nvPicPr>
+          <p:cNvPr id="6" name="Picture 5" descr="A screenshot of a computer program&#10;&#10;Description automatically generated">
+            <a:extLst>
+              <a:ext uri="{FF2B5EF4-FFF2-40B4-BE49-F238E27FC236}">
+                <a16:creationId xmlns:a16="http://schemas.microsoft.com/office/drawing/2014/main" id="{2BE601B1-566D-94EB-0B9F-80260E9CB772}"/>
+              </a:ext>
+            </a:extLst>
+          </p:cNvPr>
+          <p:cNvPicPr>
+            <a:picLocks noChangeAspect="1"/>
+          </p:cNvPicPr>
+          <p:nvPr/>
+        </p:nvPicPr>
+        <p:blipFill>
+          <a:blip r:embed="rId3"/>
+          <a:stretch>
+            <a:fillRect/>
+          </a:stretch>
+        </p:blipFill>
+        <p:spPr>
+          <a:xfrm>
+            <a:off x="594544" y="1600200"/>
+            <a:ext cx="8356854" cy="3352800"/>
+          </a:xfrm>
+          <a:prstGeom prst="rect">
+            <a:avLst/>
+          </a:prstGeom>
+        </p:spPr>
+      </p:pic>
+      <p:sp>
+        <p:nvSpPr>
+          <p:cNvPr id="7" name="TextBox 6">
+            <a:extLst>
+              <a:ext uri="{FF2B5EF4-FFF2-40B4-BE49-F238E27FC236}">
+                <a16:creationId xmlns:a16="http://schemas.microsoft.com/office/drawing/2014/main" id="{EEF23F74-CEA9-EAEC-E073-873E9A702A15}"/>
+              </a:ext>
+            </a:extLst>
+          </p:cNvPr>
+          <p:cNvSpPr txBox="1"/>
+          <p:nvPr/>
+        </p:nvSpPr>
+        <p:spPr>
+          <a:xfrm>
+            <a:off x="533400" y="5043344"/>
+            <a:ext cx="7391400" cy="646331"/>
+          </a:xfrm>
+          <a:prstGeom prst="rect">
+            <a:avLst/>
+          </a:prstGeom>
+          <a:gradFill flip="none" rotWithShape="1">
+            <a:gsLst>
+              <a:gs pos="0">
+                <a:schemeClr val="accent2">
+                  <a:lumMod val="5000"/>
+                  <a:lumOff val="95000"/>
+                </a:schemeClr>
+              </a:gs>
+              <a:gs pos="74000">
+                <a:schemeClr val="accent2">
+                  <a:lumMod val="45000"/>
+                  <a:lumOff val="55000"/>
+                </a:schemeClr>
+              </a:gs>
+              <a:gs pos="83000">
+                <a:schemeClr val="accent2">
+                  <a:lumMod val="45000"/>
+                  <a:lumOff val="55000"/>
+                </a:schemeClr>
+              </a:gs>
+              <a:gs pos="100000">
+                <a:schemeClr val="accent2">
+                  <a:lumMod val="30000"/>
+                  <a:lumOff val="70000"/>
+                </a:schemeClr>
+              </a:gs>
+            </a:gsLst>
+            <a:lin ang="10800000" scaled="1"/>
+            <a:tileRect/>
+          </a:gradFill>
+        </p:spPr>
+        <p:txBody>
+          <a:bodyPr wrap="square" rtlCol="0">
+            <a:spAutoFit/>
+          </a:bodyPr>
+          <a:lstStyle/>
+          <a:p>
+            <a:r>
+              <a:rPr lang="en-GB" sz="1800" dirty="0"/>
+              <a:t>The </a:t>
+            </a:r>
+            <a:r>
+              <a:rPr lang="en-GB" sz="1800" dirty="0" err="1"/>
+              <a:t>subproof</a:t>
+            </a:r>
+            <a:r>
+              <a:rPr lang="en-GB" sz="1800" dirty="0"/>
+              <a:t> after the assert hides the facts in the </a:t>
+            </a:r>
+            <a:r>
+              <a:rPr lang="en-GB" sz="1800" dirty="0" err="1"/>
+              <a:t>subproof</a:t>
+            </a:r>
+            <a:r>
+              <a:rPr lang="en-GB" sz="1800" dirty="0"/>
+              <a:t> like a local block in a program.</a:t>
+            </a:r>
+          </a:p>
+        </p:txBody>
+      </p:sp>
+    </p:spTree>
+    <p:extLst>
+      <p:ext uri="{BB962C8B-B14F-4D97-AF65-F5344CB8AC3E}">
+        <p14:creationId xmlns:p14="http://schemas.microsoft.com/office/powerpoint/2010/main" val="746708565"/>
+      </p:ext>
+    </p:extLst>
+  </p:cSld>
+  <p:clrMapOvr>
+    <a:masterClrMapping/>
+  </p:clrMapOvr>
+</p:sld>
+</file>
+
+<file path=ppt/slides/slide5.xml><?xml version="1.0" encoding="utf-8"?>
+<p:sld xmlns:a="http://schemas.openxmlformats.org/drawingml/2006/main" xmlns:r="http://schemas.openxmlformats.org/officeDocument/2006/relationships" xmlns:p="http://schemas.openxmlformats.org/presentationml/2006/main">
+  <p:cSld>
+    <p:spTree>
+      <p:nvGrpSpPr>
+        <p:cNvPr id="1" name="">
+          <a:extLst>
+            <a:ext uri="{FF2B5EF4-FFF2-40B4-BE49-F238E27FC236}">
+              <a16:creationId xmlns:a16="http://schemas.microsoft.com/office/drawing/2014/main" id="{46757BC5-ACA6-11B8-31C9-7C69A4E86DA9}"/>
+            </a:ext>
+          </a:extLst>
+        </p:cNvPr>
+        <p:cNvGrpSpPr/>
+        <p:nvPr/>
+      </p:nvGrpSpPr>
+      <p:grpSpPr>
+        <a:xfrm>
+          <a:off x="0" y="0"/>
+          <a:ext cx="0" cy="0"/>
+          <a:chOff x="0" y="0"/>
+          <a:chExt cx="0" cy="0"/>
+        </a:xfrm>
+      </p:grpSpPr>
+      <p:sp>
+        <p:nvSpPr>
+          <p:cNvPr id="2" name="Title 1">
+            <a:extLst>
+              <a:ext uri="{FF2B5EF4-FFF2-40B4-BE49-F238E27FC236}">
+                <a16:creationId xmlns:a16="http://schemas.microsoft.com/office/drawing/2014/main" id="{E88CAE73-D095-D800-F8B3-DC61A372D03C}"/>
+              </a:ext>
+            </a:extLst>
+          </p:cNvPr>
+          <p:cNvSpPr>
+            <a:spLocks noGrp="1"/>
+          </p:cNvSpPr>
+          <p:nvPr>
+            <p:ph type="title"/>
+          </p:nvPr>
+        </p:nvSpPr>
+        <p:spPr/>
+        <p:txBody>
+          <a:bodyPr/>
+          <a:lstStyle/>
+          <a:p>
+            <a:r>
+              <a:rPr lang="en-US" sz="3600" dirty="0"/>
+              <a:t>Proof in </a:t>
+            </a:r>
+            <a:r>
+              <a:rPr lang="en-US" sz="3600" dirty="0" err="1"/>
+              <a:t>Logika</a:t>
+            </a:r>
+            <a:endParaRPr lang="en-US" sz="3600" dirty="0"/>
+          </a:p>
+        </p:txBody>
+      </p:sp>
+      <p:sp>
+        <p:nvSpPr>
+          <p:cNvPr id="128" name="Slide Number Placeholder 127">
+            <a:extLst>
+              <a:ext uri="{FF2B5EF4-FFF2-40B4-BE49-F238E27FC236}">
+                <a16:creationId xmlns:a16="http://schemas.microsoft.com/office/drawing/2014/main" id="{78F4710E-0147-159A-8B50-F0D8F6677AB8}"/>
+              </a:ext>
+            </a:extLst>
+          </p:cNvPr>
+          <p:cNvSpPr>
+            <a:spLocks noGrp="1"/>
+          </p:cNvSpPr>
+          <p:nvPr>
+            <p:ph type="sldNum" sz="quarter" idx="11"/>
+          </p:nvPr>
+        </p:nvSpPr>
+        <p:spPr/>
+        <p:txBody>
+          <a:bodyPr/>
+          <a:lstStyle/>
+          <a:p>
+            <a:pPr>
+              <a:defRPr/>
+            </a:pPr>
+            <a:fld id="{6E0AA622-F4CE-604D-A669-CD3D12FC535C}" type="slidenum">
+              <a:rPr lang="en-US" smtClean="0"/>
+              <a:pPr>
+                <a:defRPr/>
+              </a:pPr>
+              <a:t>5</a:t>
+            </a:fld>
+            <a:endParaRPr lang="en-US" dirty="0"/>
+          </a:p>
+        </p:txBody>
+      </p:sp>
+      <p:sp>
+        <p:nvSpPr>
+          <p:cNvPr id="3" name="TextBox 2">
+            <a:extLst>
+              <a:ext uri="{FF2B5EF4-FFF2-40B4-BE49-F238E27FC236}">
+                <a16:creationId xmlns:a16="http://schemas.microsoft.com/office/drawing/2014/main" id="{9F9B07E7-B8E6-6343-64F9-9B3BE839AD42}"/>
+              </a:ext>
+            </a:extLst>
+          </p:cNvPr>
+          <p:cNvSpPr txBox="1"/>
+          <p:nvPr/>
+        </p:nvSpPr>
+        <p:spPr>
+          <a:xfrm>
+            <a:off x="381000" y="1158925"/>
+            <a:ext cx="8016766" cy="338554"/>
+          </a:xfrm>
+          <a:prstGeom prst="rect">
+            <a:avLst/>
+          </a:prstGeom>
+          <a:gradFill flip="none" rotWithShape="1">
+            <a:gsLst>
+              <a:gs pos="0">
+                <a:schemeClr val="bg1"/>
+              </a:gs>
+              <a:gs pos="74000">
+                <a:srgbClr val="FFE267"/>
+              </a:gs>
+              <a:gs pos="83000">
+                <a:srgbClr val="FFE267"/>
+              </a:gs>
+              <a:gs pos="100000">
+                <a:srgbClr val="FFE267"/>
+              </a:gs>
+            </a:gsLst>
+            <a:lin ang="10800000" scaled="1"/>
+            <a:tileRect/>
+          </a:gradFill>
+        </p:spPr>
+        <p:txBody>
+          <a:bodyPr wrap="square" rtlCol="0">
+            <a:spAutoFit/>
+          </a:bodyPr>
+          <a:lstStyle/>
+          <a:p>
+            <a:r>
+              <a:rPr lang="en-US" sz="1600" dirty="0"/>
+              <a:t>Natural Deduction Proofs</a:t>
+            </a:r>
+          </a:p>
+        </p:txBody>
+      </p:sp>
+      <p:sp>
+        <p:nvSpPr>
+          <p:cNvPr id="4" name="TextBox 3">
+            <a:extLst>
+              <a:ext uri="{FF2B5EF4-FFF2-40B4-BE49-F238E27FC236}">
+                <a16:creationId xmlns:a16="http://schemas.microsoft.com/office/drawing/2014/main" id="{72ADA4B7-A5DF-C7EF-63C9-D230E30E0D11}"/>
+              </a:ext>
+            </a:extLst>
+          </p:cNvPr>
+          <p:cNvSpPr txBox="1"/>
+          <p:nvPr/>
+        </p:nvSpPr>
+        <p:spPr>
+          <a:xfrm>
+            <a:off x="533400" y="1600200"/>
+            <a:ext cx="7391400" cy="1200329"/>
+          </a:xfrm>
+          <a:prstGeom prst="rect">
+            <a:avLst/>
+          </a:prstGeom>
+          <a:noFill/>
+        </p:spPr>
+        <p:txBody>
+          <a:bodyPr wrap="square" rtlCol="0">
+            <a:spAutoFit/>
+          </a:bodyPr>
+          <a:lstStyle/>
+          <a:p>
+            <a:r>
+              <a:rPr lang="en-GB" sz="1800" dirty="0"/>
+              <a:t>Many facts have the shape of equalities, e.g.,</a:t>
+            </a:r>
+          </a:p>
+          <a:p>
+            <a:pPr marL="285750" indent="-285750">
+              <a:buFont typeface="Arial" panose="020B0604020202020204" pitchFamily="34" charset="0"/>
+              <a:buChar char="•"/>
+            </a:pPr>
+            <a:r>
+              <a:rPr lang="en-GB" sz="1800" dirty="0"/>
+              <a:t>Properties of numbers like </a:t>
+            </a:r>
+            <a:r>
+              <a:rPr lang="en-GB" sz="1800" dirty="0">
+                <a:solidFill>
+                  <a:srgbClr val="8922FD"/>
+                </a:solidFill>
+                <a:latin typeface="Menlo" panose="020B0609030804020204" pitchFamily="49" charset="0"/>
+                <a:ea typeface="Menlo" panose="020B0609030804020204" pitchFamily="49" charset="0"/>
+                <a:cs typeface="Menlo" panose="020B0609030804020204" pitchFamily="49" charset="0"/>
+              </a:rPr>
+              <a:t>x + 0 = x</a:t>
+            </a:r>
+          </a:p>
+          <a:p>
+            <a:pPr marL="285750" indent="-285750">
+              <a:buFont typeface="Arial" panose="020B0604020202020204" pitchFamily="34" charset="0"/>
+              <a:buChar char="•"/>
+            </a:pPr>
+            <a:r>
+              <a:rPr lang="en-GB" sz="1800" dirty="0"/>
+              <a:t>Function definitions like </a:t>
+            </a:r>
+            <a:r>
+              <a:rPr lang="en-GB" sz="1800" dirty="0">
+                <a:solidFill>
+                  <a:srgbClr val="8922FD"/>
+                </a:solidFill>
+                <a:latin typeface="Menlo" panose="020B0609030804020204" pitchFamily="49" charset="0"/>
+                <a:ea typeface="Menlo" panose="020B0609030804020204" pitchFamily="49" charset="0"/>
+                <a:cs typeface="Menlo" panose="020B0609030804020204" pitchFamily="49" charset="0"/>
+              </a:rPr>
+              <a:t>f(x) = if (x &gt; 0) then x else 0</a:t>
+            </a:r>
+          </a:p>
+          <a:p>
+            <a:pPr marL="285750" indent="-285750">
+              <a:buFont typeface="Arial" panose="020B0604020202020204" pitchFamily="34" charset="0"/>
+              <a:buChar char="•"/>
+            </a:pPr>
+            <a:r>
+              <a:rPr lang="en-GB" sz="1800" dirty="0"/>
+              <a:t>Properties derived from the above </a:t>
+            </a:r>
+          </a:p>
+        </p:txBody>
+      </p:sp>
+    </p:spTree>
+    <p:extLst>
+      <p:ext uri="{BB962C8B-B14F-4D97-AF65-F5344CB8AC3E}">
+        <p14:creationId xmlns:p14="http://schemas.microsoft.com/office/powerpoint/2010/main" val="187878689"/>
       </p:ext>
     </p:extLst>
   </p:cSld>

--- a/slides/A-01-02-Proofs-Structure.pptx
+++ b/slides/A-01-02-Proofs-Structure.pptx
@@ -6527,13 +6527,8 @@
           <a:p>
             <a:r>
               <a:rPr lang="en-US" sz="3600" dirty="0"/>
-              <a:t>Proof in </a:t>
-            </a:r>
-            <a:r>
-              <a:rPr lang="en-US" sz="3600" dirty="0" err="1"/>
-              <a:t>Logika</a:t>
-            </a:r>
-            <a:endParaRPr lang="en-US" sz="3600" dirty="0"/>
+              <a:t>Proof Exercise</a:t>
+            </a:r>
           </a:p>
         </p:txBody>
       </p:sp>
@@ -6619,55 +6614,10 @@
           <a:p>
             <a:r>
               <a:rPr lang="en-US" sz="1600" dirty="0"/>
-              <a:t>Natural Deduction Proofs</a:t>
-            </a:r>
-          </a:p>
-        </p:txBody>
-      </p:sp>
-      <p:sp>
-        <p:nvSpPr>
-          <p:cNvPr id="4" name="TextBox 3">
-            <a:extLst>
-              <a:ext uri="{FF2B5EF4-FFF2-40B4-BE49-F238E27FC236}">
-                <a16:creationId xmlns:a16="http://schemas.microsoft.com/office/drawing/2014/main" id="{72ADA4B7-A5DF-C7EF-63C9-D230E30E0D11}"/>
-              </a:ext>
-            </a:extLst>
-          </p:cNvPr>
-          <p:cNvSpPr txBox="1"/>
-          <p:nvPr/>
-        </p:nvSpPr>
-        <p:spPr>
-          <a:xfrm>
-            <a:off x="533400" y="1600200"/>
-            <a:ext cx="7391400" cy="1200329"/>
-          </a:xfrm>
-          <a:prstGeom prst="rect">
-            <a:avLst/>
-          </a:prstGeom>
-          <a:noFill/>
-        </p:spPr>
-        <p:txBody>
-          <a:bodyPr wrap="square" rtlCol="0">
-            <a:spAutoFit/>
-          </a:bodyPr>
-          <a:lstStyle/>
-          <a:p>
-            <a:r>
-              <a:rPr lang="en-GB" sz="1800" dirty="0"/>
-              <a:t>Many facts have the shape of equalities, e.g.,</a:t>
-            </a:r>
-          </a:p>
-          <a:p>
-            <a:pPr marL="285750" indent="-285750">
-              <a:buFont typeface="Arial" panose="020B0604020202020204" pitchFamily="34" charset="0"/>
-              <a:buChar char="•"/>
-            </a:pPr>
-            <a:r>
-              <a:rPr lang="en-GB" sz="1800" dirty="0"/>
-              <a:t>Properties of numbers like </a:t>
-            </a:r>
-            <a:r>
-              <a:rPr lang="en-GB" sz="1800" dirty="0">
+              <a:t>Devise simplification rewriting rules for use with </a:t>
+            </a:r>
+            <a:r>
+              <a:rPr lang="en-US" sz="1600" dirty="0" err="1">
                 <a:solidFill>
                   <a:srgbClr val="8922FD"/>
                 </a:solidFill>
@@ -6675,20 +6625,100 @@
                 <a:ea typeface="Menlo" panose="020B0609030804020204" pitchFamily="49" charset="0"/>
                 <a:cs typeface="Menlo" panose="020B0609030804020204" pitchFamily="49" charset="0"/>
               </a:rPr>
-              <a:t>x + 0 = x</a:t>
-            </a:r>
-          </a:p>
-          <a:p>
-            <a:pPr marL="285750" indent="-285750">
-              <a:buFont typeface="Arial" panose="020B0604020202020204" pitchFamily="34" charset="0"/>
-              <a:buChar char="•"/>
-            </a:pPr>
-            <a:r>
-              <a:rPr lang="en-GB" sz="1800" dirty="0"/>
-              <a:t>Function definitions like </a:t>
-            </a:r>
-            <a:r>
-              <a:rPr lang="en-GB" sz="1800" dirty="0">
+              <a:t>RSimpl</a:t>
+            </a:r>
+            <a:endParaRPr lang="en-US" sz="1600" dirty="0">
+              <a:solidFill>
+                <a:srgbClr val="8922FD"/>
+              </a:solidFill>
+              <a:latin typeface="Menlo" panose="020B0609030804020204" pitchFamily="49" charset="0"/>
+              <a:ea typeface="Menlo" panose="020B0609030804020204" pitchFamily="49" charset="0"/>
+              <a:cs typeface="Menlo" panose="020B0609030804020204" pitchFamily="49" charset="0"/>
+            </a:endParaRPr>
+          </a:p>
+        </p:txBody>
+      </p:sp>
+      <p:pic>
+        <p:nvPicPr>
+          <p:cNvPr id="6" name="Picture 5">
+            <a:extLst>
+              <a:ext uri="{FF2B5EF4-FFF2-40B4-BE49-F238E27FC236}">
+                <a16:creationId xmlns:a16="http://schemas.microsoft.com/office/drawing/2014/main" id="{0280BC2B-F495-0F8B-9DB5-A463D038CC4A}"/>
+              </a:ext>
+            </a:extLst>
+          </p:cNvPr>
+          <p:cNvPicPr>
+            <a:picLocks noChangeAspect="1"/>
+          </p:cNvPicPr>
+          <p:nvPr/>
+        </p:nvPicPr>
+        <p:blipFill>
+          <a:blip r:embed="rId3"/>
+          <a:stretch>
+            <a:fillRect/>
+          </a:stretch>
+        </p:blipFill>
+        <p:spPr>
+          <a:xfrm>
+            <a:off x="574854" y="1521452"/>
+            <a:ext cx="4234928" cy="5260348"/>
+          </a:xfrm>
+          <a:prstGeom prst="rect">
+            <a:avLst/>
+          </a:prstGeom>
+        </p:spPr>
+      </p:pic>
+      <p:sp>
+        <p:nvSpPr>
+          <p:cNvPr id="7" name="TextBox 6">
+            <a:extLst>
+              <a:ext uri="{FF2B5EF4-FFF2-40B4-BE49-F238E27FC236}">
+                <a16:creationId xmlns:a16="http://schemas.microsoft.com/office/drawing/2014/main" id="{06B7C63C-D8E6-6510-F7BE-EDA9246E2119}"/>
+              </a:ext>
+            </a:extLst>
+          </p:cNvPr>
+          <p:cNvSpPr txBox="1"/>
+          <p:nvPr/>
+        </p:nvSpPr>
+        <p:spPr>
+          <a:xfrm>
+            <a:off x="5257800" y="1515116"/>
+            <a:ext cx="2971800" cy="584775"/>
+          </a:xfrm>
+          <a:prstGeom prst="rect">
+            <a:avLst/>
+          </a:prstGeom>
+          <a:gradFill flip="none" rotWithShape="1">
+            <a:gsLst>
+              <a:gs pos="0">
+                <a:schemeClr val="bg1"/>
+              </a:gs>
+              <a:gs pos="74000">
+                <a:srgbClr val="FFE267"/>
+              </a:gs>
+              <a:gs pos="83000">
+                <a:srgbClr val="FFE267"/>
+              </a:gs>
+              <a:gs pos="100000">
+                <a:srgbClr val="FFE267"/>
+              </a:gs>
+            </a:gsLst>
+            <a:lin ang="10800000" scaled="1"/>
+            <a:tileRect/>
+          </a:gradFill>
+        </p:spPr>
+        <p:txBody>
+          <a:bodyPr wrap="square" rtlCol="0">
+            <a:spAutoFit/>
+          </a:bodyPr>
+          <a:lstStyle/>
+          <a:p>
+            <a:r>
+              <a:rPr lang="en-US" sz="1600" dirty="0"/>
+              <a:t>(A) Devise the missing rules </a:t>
+            </a:r>
+            <a:r>
+              <a:rPr lang="en-US" sz="1600" dirty="0" err="1">
                 <a:solidFill>
                   <a:srgbClr val="8922FD"/>
                 </a:solidFill>
@@ -6696,18 +6726,118 @@
                 <a:ea typeface="Menlo" panose="020B0609030804020204" pitchFamily="49" charset="0"/>
                 <a:cs typeface="Menlo" panose="020B0609030804020204" pitchFamily="49" charset="0"/>
               </a:rPr>
-              <a:t>f(x) = if (x &gt; 0) then x else 0</a:t>
-            </a:r>
-          </a:p>
-          <a:p>
-            <a:pPr marL="285750" indent="-285750">
-              <a:buFont typeface="Arial" panose="020B0604020202020204" pitchFamily="34" charset="0"/>
-              <a:buChar char="•"/>
-            </a:pPr>
-            <a:r>
-              <a:rPr lang="en-GB" sz="1800" dirty="0"/>
-              <a:t>Properties derived from the above </a:t>
-            </a:r>
+              <a:t>minL</a:t>
+            </a:r>
+            <a:r>
+              <a:rPr lang="en-US" sz="1600" dirty="0"/>
+              <a:t>, </a:t>
+            </a:r>
+            <a:r>
+              <a:rPr lang="en-US" sz="1600" dirty="0" err="1">
+                <a:solidFill>
+                  <a:srgbClr val="8922FD"/>
+                </a:solidFill>
+                <a:latin typeface="Menlo" panose="020B0609030804020204" pitchFamily="49" charset="0"/>
+                <a:ea typeface="Menlo" panose="020B0609030804020204" pitchFamily="49" charset="0"/>
+                <a:cs typeface="Menlo" panose="020B0609030804020204" pitchFamily="49" charset="0"/>
+              </a:rPr>
+              <a:t>minR</a:t>
+            </a:r>
+            <a:r>
+              <a:rPr lang="en-US" sz="1600" dirty="0"/>
+              <a:t>, </a:t>
+            </a:r>
+            <a:r>
+              <a:rPr lang="en-US" sz="1600" dirty="0" err="1">
+                <a:solidFill>
+                  <a:srgbClr val="8922FD"/>
+                </a:solidFill>
+                <a:latin typeface="Menlo" panose="020B0609030804020204" pitchFamily="49" charset="0"/>
+                <a:ea typeface="Menlo" panose="020B0609030804020204" pitchFamily="49" charset="0"/>
+                <a:cs typeface="Menlo" panose="020B0609030804020204" pitchFamily="49" charset="0"/>
+              </a:rPr>
+              <a:t>maxL</a:t>
+            </a:r>
+            <a:r>
+              <a:rPr lang="en-US" sz="1600" dirty="0"/>
+              <a:t>, </a:t>
+            </a:r>
+            <a:r>
+              <a:rPr lang="en-US" sz="1600" dirty="0" err="1">
+                <a:solidFill>
+                  <a:srgbClr val="8922FD"/>
+                </a:solidFill>
+                <a:latin typeface="Menlo" panose="020B0609030804020204" pitchFamily="49" charset="0"/>
+                <a:ea typeface="Menlo" panose="020B0609030804020204" pitchFamily="49" charset="0"/>
+                <a:cs typeface="Menlo" panose="020B0609030804020204" pitchFamily="49" charset="0"/>
+              </a:rPr>
+              <a:t>maxR</a:t>
+            </a:r>
+            <a:endParaRPr lang="en-US" sz="1600" dirty="0">
+              <a:solidFill>
+                <a:srgbClr val="8922FD"/>
+              </a:solidFill>
+              <a:latin typeface="Menlo" panose="020B0609030804020204" pitchFamily="49" charset="0"/>
+              <a:ea typeface="Menlo" panose="020B0609030804020204" pitchFamily="49" charset="0"/>
+              <a:cs typeface="Menlo" panose="020B0609030804020204" pitchFamily="49" charset="0"/>
+            </a:endParaRPr>
+          </a:p>
+        </p:txBody>
+      </p:sp>
+      <p:sp>
+        <p:nvSpPr>
+          <p:cNvPr id="8" name="TextBox 7">
+            <a:extLst>
+              <a:ext uri="{FF2B5EF4-FFF2-40B4-BE49-F238E27FC236}">
+                <a16:creationId xmlns:a16="http://schemas.microsoft.com/office/drawing/2014/main" id="{E5588677-A9A3-CFB7-3952-62ED4210A036}"/>
+              </a:ext>
+            </a:extLst>
+          </p:cNvPr>
+          <p:cNvSpPr txBox="1"/>
+          <p:nvPr/>
+        </p:nvSpPr>
+        <p:spPr>
+          <a:xfrm>
+            <a:off x="5250094" y="2514600"/>
+            <a:ext cx="3505200" cy="338554"/>
+          </a:xfrm>
+          <a:prstGeom prst="rect">
+            <a:avLst/>
+          </a:prstGeom>
+          <a:gradFill flip="none" rotWithShape="1">
+            <a:gsLst>
+              <a:gs pos="0">
+                <a:schemeClr val="bg1"/>
+              </a:gs>
+              <a:gs pos="74000">
+                <a:srgbClr val="FFE267"/>
+              </a:gs>
+              <a:gs pos="83000">
+                <a:srgbClr val="FFE267"/>
+              </a:gs>
+              <a:gs pos="100000">
+                <a:srgbClr val="FFE267"/>
+              </a:gs>
+            </a:gsLst>
+            <a:lin ang="10800000" scaled="1"/>
+            <a:tileRect/>
+          </a:gradFill>
+        </p:spPr>
+        <p:txBody>
+          <a:bodyPr wrap="square" rtlCol="0">
+            <a:spAutoFit/>
+          </a:bodyPr>
+          <a:lstStyle/>
+          <a:p>
+            <a:r>
+              <a:rPr lang="en-US" sz="1600" dirty="0"/>
+              <a:t>(B) Ensure the </a:t>
+            </a:r>
+            <a:r>
+              <a:rPr lang="en-US" sz="1600"/>
+              <a:t>proof succeeds!</a:t>
+            </a:r>
+            <a:endParaRPr lang="en-US" sz="1600" dirty="0"/>
           </a:p>
         </p:txBody>
       </p:sp>

--- a/slides/A-01-02-Proofs-Structure.pptx
+++ b/slides/A-01-02-Proofs-Structure.pptx
@@ -5240,10 +5240,46 @@
       </p:sp>
       <p:sp>
         <p:nvSpPr>
-          <p:cNvPr id="5" name="Rectangle 4">
+          <p:cNvPr id="16" name="TextBox 15">
             <a:extLst>
               <a:ext uri="{FF2B5EF4-FFF2-40B4-BE49-F238E27FC236}">
-                <a16:creationId xmlns:a16="http://schemas.microsoft.com/office/drawing/2014/main" id="{38E4B0B0-22E8-1340-AA2C-68C72F08D6A5}"/>
+                <a16:creationId xmlns:a16="http://schemas.microsoft.com/office/drawing/2014/main" id="{663EBDB7-43CB-B144-9456-14002C9FB986}"/>
+              </a:ext>
+            </a:extLst>
+          </p:cNvPr>
+          <p:cNvSpPr txBox="1"/>
+          <p:nvPr/>
+        </p:nvSpPr>
+        <p:spPr>
+          <a:xfrm>
+            <a:off x="457200" y="6400800"/>
+            <a:ext cx="8453927" cy="369332"/>
+          </a:xfrm>
+          <a:prstGeom prst="rect">
+            <a:avLst/>
+          </a:prstGeom>
+          <a:noFill/>
+        </p:spPr>
+        <p:txBody>
+          <a:bodyPr wrap="square">
+            <a:spAutoFit/>
+          </a:bodyPr>
+          <a:lstStyle/>
+          <a:p>
+            <a:pPr algn="ctr"/>
+            <a:r>
+              <a:rPr lang="en-US" sz="900" dirty="0"/>
+              <a:t>DISCLAIMER: The views and conclusions contained in this presentation are those of the author and should not be interpreted as representing the official policies, either express or implied, of any agency or department of the U.S. Government, Kansas State University or Aarhus University</a:t>
+            </a:r>
+          </a:p>
+        </p:txBody>
+      </p:sp>
+      <p:sp>
+        <p:nvSpPr>
+          <p:cNvPr id="8" name="Rectangle 7">
+            <a:extLst>
+              <a:ext uri="{FF2B5EF4-FFF2-40B4-BE49-F238E27FC236}">
+                <a16:creationId xmlns:a16="http://schemas.microsoft.com/office/drawing/2014/main" id="{A9279C31-8993-BEA8-20A6-530207F3CB3C}"/>
               </a:ext>
             </a:extLst>
           </p:cNvPr>
@@ -5252,8 +5288,8 @@
         </p:nvSpPr>
         <p:spPr bwMode="auto">
           <a:xfrm flipV="1">
-            <a:off x="2317125" y="4599080"/>
-            <a:ext cx="1421121" cy="277720"/>
+            <a:off x="4953000" y="4396636"/>
+            <a:ext cx="1832233" cy="277720"/>
           </a:xfrm>
           <a:prstGeom prst="rect">
             <a:avLst/>
@@ -5304,42 +5340,6 @@
               <a:effectLst/>
               <a:latin typeface="Tahoma" charset="0"/>
             </a:endParaRPr>
-          </a:p>
-        </p:txBody>
-      </p:sp>
-      <p:sp>
-        <p:nvSpPr>
-          <p:cNvPr id="16" name="TextBox 15">
-            <a:extLst>
-              <a:ext uri="{FF2B5EF4-FFF2-40B4-BE49-F238E27FC236}">
-                <a16:creationId xmlns:a16="http://schemas.microsoft.com/office/drawing/2014/main" id="{663EBDB7-43CB-B144-9456-14002C9FB986}"/>
-              </a:ext>
-            </a:extLst>
-          </p:cNvPr>
-          <p:cNvSpPr txBox="1"/>
-          <p:nvPr/>
-        </p:nvSpPr>
-        <p:spPr>
-          <a:xfrm>
-            <a:off x="457200" y="6400800"/>
-            <a:ext cx="8453927" cy="369332"/>
-          </a:xfrm>
-          <a:prstGeom prst="rect">
-            <a:avLst/>
-          </a:prstGeom>
-          <a:noFill/>
-        </p:spPr>
-        <p:txBody>
-          <a:bodyPr wrap="square">
-            <a:spAutoFit/>
-          </a:bodyPr>
-          <a:lstStyle/>
-          <a:p>
-            <a:pPr algn="ctr"/>
-            <a:r>
-              <a:rPr lang="en-US" sz="900" dirty="0"/>
-              <a:t>DISCLAIMER: The views and conclusions contained in this presentation are those of the author and should not be interpreted as representing the official policies, either express or implied, of any agency or department of the U.S. Government, Kansas State University or Aarhus University</a:t>
-            </a:r>
           </a:p>
         </p:txBody>
       </p:sp>
@@ -5531,7 +5531,11 @@
             </a:r>
             <a:r>
               <a:rPr lang="en-GB" sz="1800" dirty="0"/>
-              <a:t> accepts proofs in natural deduction style</a:t>
+              <a:t> accepts proofs in </a:t>
+            </a:r>
+            <a:r>
+              <a:rPr lang="en-GB" sz="1800" b="1" dirty="0"/>
+              <a:t>natural deduction style</a:t>
             </a:r>
           </a:p>
           <a:p>
@@ -5541,7 +5545,23 @@
             </a:pPr>
             <a:r>
               <a:rPr lang="en-GB" sz="1800" dirty="0"/>
-              <a:t>Proofs are linear sequences of facts</a:t>
+              <a:t>Proofs are </a:t>
+            </a:r>
+            <a:r>
+              <a:rPr lang="en-GB" sz="1800" b="1" dirty="0"/>
+              <a:t>linear</a:t>
+            </a:r>
+            <a:r>
+              <a:rPr lang="en-GB" sz="1800" dirty="0"/>
+              <a:t> and </a:t>
+            </a:r>
+            <a:r>
+              <a:rPr lang="en-GB" sz="1800" b="1" dirty="0"/>
+              <a:t>tree-shaped</a:t>
+            </a:r>
+            <a:r>
+              <a:rPr lang="en-GB" sz="1800" dirty="0"/>
+              <a:t> sequences of facts</a:t>
             </a:r>
           </a:p>
           <a:p>
@@ -5550,7 +5570,7 @@
               <a:buChar char="•"/>
             </a:pPr>
             <a:r>
-              <a:rPr lang="en-GB" sz="1800" dirty="0" err="1"/>
+              <a:rPr lang="en-GB" sz="1800" b="1" dirty="0" err="1"/>
               <a:t>Subproofs</a:t>
             </a:r>
             <a:r>
@@ -5636,7 +5656,7 @@
               <a:buChar char="•"/>
             </a:pPr>
             <a:r>
-              <a:rPr lang="en-GB" sz="1800" dirty="0" err="1"/>
+              <a:rPr lang="en-GB" sz="1800" b="1" dirty="0" err="1"/>
               <a:t>Subproofs</a:t>
             </a:r>
             <a:r>
@@ -5673,7 +5693,11 @@
             </a:pPr>
             <a:r>
               <a:rPr lang="en-GB" sz="1800" dirty="0"/>
-              <a:t>In practice, such proofs look similar to structured programs</a:t>
+              <a:t>In practice, such proofs look similar to </a:t>
+            </a:r>
+            <a:r>
+              <a:rPr lang="en-GB" sz="1800" b="1" dirty="0"/>
+              <a:t>structured programs</a:t>
             </a:r>
           </a:p>
           <a:p>
@@ -5683,7 +5707,23 @@
             </a:pPr>
             <a:r>
               <a:rPr lang="en-GB" sz="1800" dirty="0"/>
-              <a:t>There is a close analogy between natural deduction and functional programming</a:t>
+              <a:t>There is a close analogy between </a:t>
+            </a:r>
+            <a:r>
+              <a:rPr lang="en-GB" sz="1800" b="1" dirty="0"/>
+              <a:t>natural deduction </a:t>
+            </a:r>
+            <a:r>
+              <a:rPr lang="en-GB" sz="1800" dirty="0"/>
+              <a:t>and </a:t>
+            </a:r>
+            <a:r>
+              <a:rPr lang="en-GB" sz="1800" b="1" dirty="0"/>
+              <a:t>functional programming </a:t>
+            </a:r>
+            <a:r>
+              <a:rPr lang="en-GB" sz="1800" dirty="0"/>
+              <a:t>(Curry-Howard Isomorphism)</a:t>
             </a:r>
           </a:p>
         </p:txBody>
@@ -6191,6 +6231,288 @@
           </a:p>
         </p:txBody>
       </p:sp>
+      <p:cxnSp>
+        <p:nvCxnSpPr>
+          <p:cNvPr id="5" name="Straight Arrow Connector 4">
+            <a:extLst>
+              <a:ext uri="{FF2B5EF4-FFF2-40B4-BE49-F238E27FC236}">
+                <a16:creationId xmlns:a16="http://schemas.microsoft.com/office/drawing/2014/main" id="{72F97391-0BC1-980B-6608-82DB28170FC5}"/>
+              </a:ext>
+            </a:extLst>
+          </p:cNvPr>
+          <p:cNvCxnSpPr>
+            <a:cxnSpLocks/>
+          </p:cNvCxnSpPr>
+          <p:nvPr/>
+        </p:nvCxnSpPr>
+        <p:spPr bwMode="auto">
+          <a:xfrm flipH="1">
+            <a:off x="4038600" y="2514600"/>
+            <a:ext cx="421846" cy="0"/>
+          </a:xfrm>
+          <a:prstGeom prst="straightConnector1">
+            <a:avLst/>
+          </a:prstGeom>
+          <a:solidFill>
+            <a:schemeClr val="accent1"/>
+          </a:solidFill>
+          <a:ln w="25400" cap="flat" cmpd="sng" algn="ctr">
+            <a:solidFill>
+              <a:schemeClr val="tx1"/>
+            </a:solidFill>
+            <a:prstDash val="solid"/>
+            <a:miter lim="800000"/>
+            <a:headEnd type="none" w="med" len="med"/>
+            <a:tailEnd type="triangle" w="lg" len="med"/>
+          </a:ln>
+          <a:effectLst/>
+        </p:spPr>
+      </p:cxnSp>
+      <p:cxnSp>
+        <p:nvCxnSpPr>
+          <p:cNvPr id="8" name="Straight Arrow Connector 7">
+            <a:extLst>
+              <a:ext uri="{FF2B5EF4-FFF2-40B4-BE49-F238E27FC236}">
+                <a16:creationId xmlns:a16="http://schemas.microsoft.com/office/drawing/2014/main" id="{29703B53-50C1-2B6B-DD3D-7082C9428457}"/>
+              </a:ext>
+            </a:extLst>
+          </p:cNvPr>
+          <p:cNvCxnSpPr>
+            <a:cxnSpLocks/>
+          </p:cNvCxnSpPr>
+          <p:nvPr/>
+        </p:nvCxnSpPr>
+        <p:spPr bwMode="auto">
+          <a:xfrm flipH="1" flipV="1">
+            <a:off x="4249523" y="2971800"/>
+            <a:ext cx="210923" cy="87778"/>
+          </a:xfrm>
+          <a:prstGeom prst="straightConnector1">
+            <a:avLst/>
+          </a:prstGeom>
+          <a:solidFill>
+            <a:schemeClr val="accent1"/>
+          </a:solidFill>
+          <a:ln w="25400" cap="flat" cmpd="sng" algn="ctr">
+            <a:solidFill>
+              <a:schemeClr val="tx1"/>
+            </a:solidFill>
+            <a:prstDash val="solid"/>
+            <a:miter lim="800000"/>
+            <a:headEnd type="none" w="med" len="med"/>
+            <a:tailEnd type="triangle" w="lg" len="med"/>
+          </a:ln>
+          <a:effectLst/>
+        </p:spPr>
+      </p:cxnSp>
+      <p:cxnSp>
+        <p:nvCxnSpPr>
+          <p:cNvPr id="11" name="Straight Arrow Connector 10">
+            <a:extLst>
+              <a:ext uri="{FF2B5EF4-FFF2-40B4-BE49-F238E27FC236}">
+                <a16:creationId xmlns:a16="http://schemas.microsoft.com/office/drawing/2014/main" id="{A58314B3-08B9-B817-1B24-EB13FAEFDF34}"/>
+              </a:ext>
+            </a:extLst>
+          </p:cNvPr>
+          <p:cNvCxnSpPr>
+            <a:cxnSpLocks/>
+          </p:cNvCxnSpPr>
+          <p:nvPr/>
+        </p:nvCxnSpPr>
+        <p:spPr bwMode="auto">
+          <a:xfrm flipH="1" flipV="1">
+            <a:off x="3581400" y="3352800"/>
+            <a:ext cx="879046" cy="228600"/>
+          </a:xfrm>
+          <a:prstGeom prst="straightConnector1">
+            <a:avLst/>
+          </a:prstGeom>
+          <a:solidFill>
+            <a:schemeClr val="accent1"/>
+          </a:solidFill>
+          <a:ln w="25400" cap="flat" cmpd="sng" algn="ctr">
+            <a:solidFill>
+              <a:schemeClr val="tx1"/>
+            </a:solidFill>
+            <a:prstDash val="solid"/>
+            <a:miter lim="800000"/>
+            <a:headEnd type="none" w="med" len="med"/>
+            <a:tailEnd type="triangle" w="lg" len="med"/>
+          </a:ln>
+          <a:effectLst/>
+        </p:spPr>
+      </p:cxnSp>
+      <p:cxnSp>
+        <p:nvCxnSpPr>
+          <p:cNvPr id="15" name="Straight Arrow Connector 14">
+            <a:extLst>
+              <a:ext uri="{FF2B5EF4-FFF2-40B4-BE49-F238E27FC236}">
+                <a16:creationId xmlns:a16="http://schemas.microsoft.com/office/drawing/2014/main" id="{AAD16F02-229B-772A-2B46-CB00457435A4}"/>
+              </a:ext>
+            </a:extLst>
+          </p:cNvPr>
+          <p:cNvCxnSpPr>
+            <a:cxnSpLocks/>
+          </p:cNvCxnSpPr>
+          <p:nvPr/>
+        </p:nvCxnSpPr>
+        <p:spPr bwMode="auto">
+          <a:xfrm flipH="1" flipV="1">
+            <a:off x="3543300" y="3733801"/>
+            <a:ext cx="917146" cy="403173"/>
+          </a:xfrm>
+          <a:prstGeom prst="straightConnector1">
+            <a:avLst/>
+          </a:prstGeom>
+          <a:solidFill>
+            <a:schemeClr val="accent1"/>
+          </a:solidFill>
+          <a:ln w="25400" cap="flat" cmpd="sng" algn="ctr">
+            <a:solidFill>
+              <a:schemeClr val="tx1"/>
+            </a:solidFill>
+            <a:prstDash val="solid"/>
+            <a:miter lim="800000"/>
+            <a:headEnd type="none" w="med" len="med"/>
+            <a:tailEnd type="triangle" w="lg" len="med"/>
+          </a:ln>
+          <a:effectLst/>
+        </p:spPr>
+      </p:cxnSp>
+      <p:cxnSp>
+        <p:nvCxnSpPr>
+          <p:cNvPr id="17" name="Straight Arrow Connector 16">
+            <a:extLst>
+              <a:ext uri="{FF2B5EF4-FFF2-40B4-BE49-F238E27FC236}">
+                <a16:creationId xmlns:a16="http://schemas.microsoft.com/office/drawing/2014/main" id="{26739D3D-87BC-E91C-9698-1C503FA91DF1}"/>
+              </a:ext>
+            </a:extLst>
+          </p:cNvPr>
+          <p:cNvCxnSpPr>
+            <a:cxnSpLocks/>
+          </p:cNvCxnSpPr>
+          <p:nvPr/>
+        </p:nvCxnSpPr>
+        <p:spPr bwMode="auto">
+          <a:xfrm flipH="1">
+            <a:off x="3124200" y="4200586"/>
+            <a:ext cx="1336246" cy="229610"/>
+          </a:xfrm>
+          <a:prstGeom prst="straightConnector1">
+            <a:avLst/>
+          </a:prstGeom>
+          <a:solidFill>
+            <a:schemeClr val="accent1"/>
+          </a:solidFill>
+          <a:ln w="25400" cap="flat" cmpd="sng" algn="ctr">
+            <a:solidFill>
+              <a:schemeClr val="tx1"/>
+            </a:solidFill>
+            <a:prstDash val="solid"/>
+            <a:miter lim="800000"/>
+            <a:headEnd type="none" w="med" len="med"/>
+            <a:tailEnd type="triangle" w="lg" len="med"/>
+          </a:ln>
+          <a:effectLst/>
+        </p:spPr>
+      </p:cxnSp>
+      <p:sp>
+        <p:nvSpPr>
+          <p:cNvPr id="4" name="Rectangle 3">
+            <a:extLst>
+              <a:ext uri="{FF2B5EF4-FFF2-40B4-BE49-F238E27FC236}">
+                <a16:creationId xmlns:a16="http://schemas.microsoft.com/office/drawing/2014/main" id="{F35E5044-B8A4-17FA-1352-22F8923F3E98}"/>
+              </a:ext>
+            </a:extLst>
+          </p:cNvPr>
+          <p:cNvSpPr/>
+          <p:nvPr/>
+        </p:nvSpPr>
+        <p:spPr bwMode="auto">
+          <a:xfrm>
+            <a:off x="4384246" y="6426219"/>
+            <a:ext cx="3083354" cy="381000"/>
+          </a:xfrm>
+          <a:prstGeom prst="rect">
+            <a:avLst/>
+          </a:prstGeom>
+          <a:solidFill>
+            <a:srgbClr val="FFE267"/>
+          </a:solidFill>
+          <a:ln w="25400" cap="flat" cmpd="sng" algn="ctr">
+            <a:solidFill>
+              <a:srgbClr val="C00000"/>
+            </a:solidFill>
+            <a:prstDash val="solid"/>
+            <a:miter lim="800000"/>
+            <a:headEnd type="none" w="med" len="med"/>
+            <a:tailEnd type="none" w="med" len="med"/>
+          </a:ln>
+          <a:effectLst/>
+        </p:spPr>
+        <p:txBody>
+          <a:bodyPr vert="horz" wrap="none" lIns="91440" tIns="45720" rIns="91440" bIns="45720" numCol="1" rtlCol="0" anchor="t" anchorCtr="0" compatLnSpc="1">
+            <a:prstTxWarp prst="textNoShape">
+              <a:avLst/>
+            </a:prstTxWarp>
+          </a:bodyPr>
+          <a:lstStyle/>
+          <a:p>
+            <a:pPr marL="0" marR="0" indent="0" algn="l" defTabSz="914400" rtl="0" eaLnBrk="1" fontAlgn="base" latinLnBrk="0" hangingPunct="1">
+              <a:lnSpc>
+                <a:spcPct val="100000"/>
+              </a:lnSpc>
+              <a:spcBef>
+                <a:spcPct val="0"/>
+              </a:spcBef>
+              <a:spcAft>
+                <a:spcPct val="0"/>
+              </a:spcAft>
+              <a:buClrTx/>
+              <a:buSzTx/>
+              <a:buFontTx/>
+              <a:buNone/>
+              <a:tabLst/>
+            </a:pPr>
+            <a:r>
+              <a:rPr kumimoji="0" lang="en-GB" sz="1800" b="0" i="0" u="none" strike="noStrike" cap="none" normalizeH="0" baseline="0" dirty="0">
+                <a:ln>
+                  <a:noFill/>
+                </a:ln>
+                <a:solidFill>
+                  <a:schemeClr val="tx1"/>
+                </a:solidFill>
+                <a:effectLst/>
+                <a:latin typeface="Tahoma" charset="0"/>
+              </a:rPr>
+              <a:t>File: </a:t>
+            </a:r>
+            <a:r>
+              <a:rPr kumimoji="0" lang="en-GB" sz="1800" b="0" i="0" u="none" strike="noStrike" cap="none" normalizeH="0" baseline="0" dirty="0" err="1">
+                <a:ln>
+                  <a:noFill/>
+                </a:ln>
+                <a:solidFill>
+                  <a:schemeClr val="tx1"/>
+                </a:solidFill>
+                <a:effectLst/>
+                <a:latin typeface="Tahoma" charset="0"/>
+              </a:rPr>
+              <a:t>Symbol_Table_Proofs.sc</a:t>
+            </a:r>
+            <a:endParaRPr kumimoji="0" lang="en-GB" sz="1800" b="0" i="0" u="none" strike="noStrike" cap="none" normalizeH="0" baseline="0" dirty="0">
+              <a:ln>
+                <a:noFill/>
+              </a:ln>
+              <a:solidFill>
+                <a:schemeClr val="tx1"/>
+              </a:solidFill>
+              <a:effectLst/>
+              <a:latin typeface="Tahoma" charset="0"/>
+            </a:endParaRPr>
+          </a:p>
+        </p:txBody>
+      </p:sp>
     </p:spTree>
     <p:extLst>
       <p:ext uri="{BB962C8B-B14F-4D97-AF65-F5344CB8AC3E}">
@@ -6468,6 +6790,175 @@
           </a:p>
         </p:txBody>
       </p:sp>
+      <p:sp>
+        <p:nvSpPr>
+          <p:cNvPr id="4" name="Rectangle 3">
+            <a:extLst>
+              <a:ext uri="{FF2B5EF4-FFF2-40B4-BE49-F238E27FC236}">
+                <a16:creationId xmlns:a16="http://schemas.microsoft.com/office/drawing/2014/main" id="{196DF8CB-516D-B722-4381-E55183790671}"/>
+              </a:ext>
+            </a:extLst>
+          </p:cNvPr>
+          <p:cNvSpPr/>
+          <p:nvPr/>
+        </p:nvSpPr>
+        <p:spPr bwMode="auto">
+          <a:xfrm>
+            <a:off x="1219200" y="2590800"/>
+            <a:ext cx="7732198" cy="1066800"/>
+          </a:xfrm>
+          <a:prstGeom prst="rect">
+            <a:avLst/>
+          </a:prstGeom>
+          <a:noFill/>
+          <a:ln w="25400" cap="flat" cmpd="sng" algn="ctr">
+            <a:solidFill>
+              <a:schemeClr val="tx2">
+                <a:lumMod val="60000"/>
+                <a:lumOff val="40000"/>
+              </a:schemeClr>
+            </a:solidFill>
+            <a:prstDash val="solid"/>
+            <a:miter lim="800000"/>
+            <a:headEnd type="none" w="med" len="med"/>
+            <a:tailEnd type="none" w="med" len="med"/>
+          </a:ln>
+          <a:effectLst/>
+        </p:spPr>
+        <p:txBody>
+          <a:bodyPr vert="horz" wrap="none" lIns="91440" tIns="45720" rIns="91440" bIns="45720" numCol="1" rtlCol="0" anchor="t" anchorCtr="0" compatLnSpc="1">
+            <a:prstTxWarp prst="textNoShape">
+              <a:avLst/>
+            </a:prstTxWarp>
+          </a:bodyPr>
+          <a:lstStyle/>
+          <a:p>
+            <a:pPr marL="0" marR="0" indent="0" algn="l" defTabSz="914400" rtl="0" eaLnBrk="1" fontAlgn="base" latinLnBrk="0" hangingPunct="1">
+              <a:lnSpc>
+                <a:spcPct val="100000"/>
+              </a:lnSpc>
+              <a:spcBef>
+                <a:spcPct val="0"/>
+              </a:spcBef>
+              <a:spcAft>
+                <a:spcPct val="0"/>
+              </a:spcAft>
+              <a:buClrTx/>
+              <a:buSzTx/>
+              <a:buFontTx/>
+              <a:buNone/>
+              <a:tabLst/>
+            </a:pPr>
+            <a:endParaRPr kumimoji="0" lang="en-GB" sz="2400" b="0" i="0" u="none" strike="noStrike" cap="none" normalizeH="0" baseline="0">
+              <a:ln>
+                <a:noFill/>
+              </a:ln>
+              <a:solidFill>
+                <a:schemeClr val="tx1"/>
+              </a:solidFill>
+              <a:effectLst/>
+              <a:latin typeface="Tahoma" charset="0"/>
+            </a:endParaRPr>
+          </a:p>
+        </p:txBody>
+      </p:sp>
+      <p:sp>
+        <p:nvSpPr>
+          <p:cNvPr id="5" name="Rectangle 4">
+            <a:extLst>
+              <a:ext uri="{FF2B5EF4-FFF2-40B4-BE49-F238E27FC236}">
+                <a16:creationId xmlns:a16="http://schemas.microsoft.com/office/drawing/2014/main" id="{2718EDC5-1C8E-64C7-0308-6ABAB3814D61}"/>
+              </a:ext>
+            </a:extLst>
+          </p:cNvPr>
+          <p:cNvSpPr/>
+          <p:nvPr/>
+        </p:nvSpPr>
+        <p:spPr bwMode="auto">
+          <a:xfrm>
+            <a:off x="4384246" y="6426219"/>
+            <a:ext cx="2016554" cy="381000"/>
+          </a:xfrm>
+          <a:prstGeom prst="rect">
+            <a:avLst/>
+          </a:prstGeom>
+          <a:solidFill>
+            <a:srgbClr val="FFE267"/>
+          </a:solidFill>
+          <a:ln w="25400" cap="flat" cmpd="sng" algn="ctr">
+            <a:solidFill>
+              <a:srgbClr val="C00000"/>
+            </a:solidFill>
+            <a:prstDash val="solid"/>
+            <a:miter lim="800000"/>
+            <a:headEnd type="none" w="med" len="med"/>
+            <a:tailEnd type="none" w="med" len="med"/>
+          </a:ln>
+          <a:effectLst/>
+        </p:spPr>
+        <p:txBody>
+          <a:bodyPr vert="horz" wrap="none" lIns="91440" tIns="45720" rIns="91440" bIns="45720" numCol="1" rtlCol="0" anchor="t" anchorCtr="0" compatLnSpc="1">
+            <a:prstTxWarp prst="textNoShape">
+              <a:avLst/>
+            </a:prstTxWarp>
+          </a:bodyPr>
+          <a:lstStyle/>
+          <a:p>
+            <a:pPr marL="0" marR="0" indent="0" algn="l" defTabSz="914400" rtl="0" eaLnBrk="1" fontAlgn="base" latinLnBrk="0" hangingPunct="1">
+              <a:lnSpc>
+                <a:spcPct val="100000"/>
+              </a:lnSpc>
+              <a:spcBef>
+                <a:spcPct val="0"/>
+              </a:spcBef>
+              <a:spcAft>
+                <a:spcPct val="0"/>
+              </a:spcAft>
+              <a:buClrTx/>
+              <a:buSzTx/>
+              <a:buFontTx/>
+              <a:buNone/>
+              <a:tabLst/>
+            </a:pPr>
+            <a:r>
+              <a:rPr kumimoji="0" lang="en-GB" sz="1800" b="0" i="0" u="none" strike="noStrike" cap="none" normalizeH="0" baseline="0" dirty="0">
+                <a:ln>
+                  <a:noFill/>
+                </a:ln>
+                <a:solidFill>
+                  <a:schemeClr val="tx1"/>
+                </a:solidFill>
+                <a:effectLst/>
+                <a:latin typeface="Tahoma" charset="0"/>
+              </a:rPr>
+              <a:t>File: </a:t>
+            </a:r>
+            <a:r>
+              <a:rPr kumimoji="0" lang="en-GB" sz="1800" b="0" i="0" u="none" strike="noStrike" cap="none" normalizeH="0" baseline="0" dirty="0" err="1">
+                <a:ln>
+                  <a:noFill/>
+                </a:ln>
+                <a:solidFill>
+                  <a:schemeClr val="tx1"/>
+                </a:solidFill>
+                <a:effectLst/>
+                <a:latin typeface="Tahoma" charset="0"/>
+              </a:rPr>
+              <a:t>List_induct.sc</a:t>
+            </a:r>
+            <a:endParaRPr kumimoji="0" lang="en-GB" sz="1800" b="0" i="0" u="none" strike="noStrike" cap="none" normalizeH="0" baseline="0" dirty="0">
+              <a:ln>
+                <a:noFill/>
+              </a:ln>
+              <a:solidFill>
+                <a:schemeClr val="tx1"/>
+              </a:solidFill>
+              <a:effectLst/>
+              <a:latin typeface="Tahoma" charset="0"/>
+            </a:endParaRPr>
+          </a:p>
+        </p:txBody>
+      </p:sp>
     </p:spTree>
     <p:extLst>
       <p:ext uri="{BB962C8B-B14F-4D97-AF65-F5344CB8AC3E}">
@@ -6838,6 +7329,303 @@
               <a:t>proof succeeds!</a:t>
             </a:r>
             <a:endParaRPr lang="en-US" sz="1600" dirty="0"/>
+          </a:p>
+        </p:txBody>
+      </p:sp>
+      <p:sp>
+        <p:nvSpPr>
+          <p:cNvPr id="4" name="Rectangle 3">
+            <a:extLst>
+              <a:ext uri="{FF2B5EF4-FFF2-40B4-BE49-F238E27FC236}">
+                <a16:creationId xmlns:a16="http://schemas.microsoft.com/office/drawing/2014/main" id="{1C141D82-F414-7037-07EC-894BAD5DFB17}"/>
+              </a:ext>
+            </a:extLst>
+          </p:cNvPr>
+          <p:cNvSpPr/>
+          <p:nvPr/>
+        </p:nvSpPr>
+        <p:spPr bwMode="auto">
+          <a:xfrm>
+            <a:off x="497402" y="3418726"/>
+            <a:ext cx="493198" cy="3134474"/>
+          </a:xfrm>
+          <a:prstGeom prst="rect">
+            <a:avLst/>
+          </a:prstGeom>
+          <a:noFill/>
+          <a:ln w="25400" cap="flat" cmpd="sng" algn="ctr">
+            <a:solidFill>
+              <a:schemeClr val="tx2">
+                <a:lumMod val="60000"/>
+                <a:lumOff val="40000"/>
+              </a:schemeClr>
+            </a:solidFill>
+            <a:prstDash val="solid"/>
+            <a:miter lim="800000"/>
+            <a:headEnd type="none" w="med" len="med"/>
+            <a:tailEnd type="none" w="med" len="med"/>
+          </a:ln>
+          <a:effectLst/>
+        </p:spPr>
+        <p:txBody>
+          <a:bodyPr vert="horz" wrap="none" lIns="91440" tIns="45720" rIns="91440" bIns="45720" numCol="1" rtlCol="0" anchor="t" anchorCtr="0" compatLnSpc="1">
+            <a:prstTxWarp prst="textNoShape">
+              <a:avLst/>
+            </a:prstTxWarp>
+          </a:bodyPr>
+          <a:lstStyle/>
+          <a:p>
+            <a:pPr marL="0" marR="0" indent="0" algn="l" defTabSz="914400" rtl="0" eaLnBrk="1" fontAlgn="base" latinLnBrk="0" hangingPunct="1">
+              <a:lnSpc>
+                <a:spcPct val="100000"/>
+              </a:lnSpc>
+              <a:spcBef>
+                <a:spcPct val="0"/>
+              </a:spcBef>
+              <a:spcAft>
+                <a:spcPct val="0"/>
+              </a:spcAft>
+              <a:buClrTx/>
+              <a:buSzTx/>
+              <a:buFontTx/>
+              <a:buNone/>
+              <a:tabLst/>
+            </a:pPr>
+            <a:endParaRPr kumimoji="0" lang="en-GB" sz="2400" b="0" i="0" u="none" strike="noStrike" cap="none" normalizeH="0" baseline="0">
+              <a:ln>
+                <a:noFill/>
+              </a:ln>
+              <a:solidFill>
+                <a:schemeClr val="tx1"/>
+              </a:solidFill>
+              <a:effectLst/>
+              <a:latin typeface="Tahoma" charset="0"/>
+            </a:endParaRPr>
+          </a:p>
+        </p:txBody>
+      </p:sp>
+      <p:sp>
+        <p:nvSpPr>
+          <p:cNvPr id="5" name="Rectangle 4">
+            <a:extLst>
+              <a:ext uri="{FF2B5EF4-FFF2-40B4-BE49-F238E27FC236}">
+                <a16:creationId xmlns:a16="http://schemas.microsoft.com/office/drawing/2014/main" id="{6DB83B25-EDF0-F26B-C706-EE5915F52B9B}"/>
+              </a:ext>
+            </a:extLst>
+          </p:cNvPr>
+          <p:cNvSpPr/>
+          <p:nvPr/>
+        </p:nvSpPr>
+        <p:spPr bwMode="auto">
+          <a:xfrm>
+            <a:off x="4572000" y="3870275"/>
+            <a:ext cx="3010683" cy="1187812"/>
+          </a:xfrm>
+          <a:prstGeom prst="rect">
+            <a:avLst/>
+          </a:prstGeom>
+          <a:solidFill>
+            <a:srgbClr val="FFE267"/>
+          </a:solidFill>
+          <a:ln w="9525" cap="flat" cmpd="sng" algn="ctr">
+            <a:solidFill>
+              <a:schemeClr val="tx1"/>
+            </a:solidFill>
+            <a:prstDash val="solid"/>
+            <a:miter lim="800000"/>
+            <a:headEnd type="none" w="med" len="med"/>
+            <a:tailEnd type="none" w="med" len="med"/>
+          </a:ln>
+          <a:effectLst/>
+        </p:spPr>
+        <p:txBody>
+          <a:bodyPr vert="horz" wrap="square" lIns="91440" tIns="45720" rIns="91440" bIns="45720" numCol="1" rtlCol="0" anchor="t" anchorCtr="0" compatLnSpc="1">
+            <a:prstTxWarp prst="textNoShape">
+              <a:avLst/>
+            </a:prstTxWarp>
+          </a:bodyPr>
+          <a:lstStyle/>
+          <a:p>
+            <a:pPr marL="0" marR="0" indent="0" algn="l" defTabSz="914400" rtl="0" eaLnBrk="1" fontAlgn="base" latinLnBrk="0" hangingPunct="1">
+              <a:lnSpc>
+                <a:spcPct val="100000"/>
+              </a:lnSpc>
+              <a:spcBef>
+                <a:spcPct val="0"/>
+              </a:spcBef>
+              <a:spcAft>
+                <a:spcPct val="0"/>
+              </a:spcAft>
+              <a:buClrTx/>
+              <a:buSzTx/>
+              <a:buFontTx/>
+              <a:buNone/>
+              <a:tabLst/>
+            </a:pPr>
+            <a:r>
+              <a:rPr kumimoji="0" lang="en-GB" sz="1800" b="0" i="0" u="none" strike="noStrike" cap="none" normalizeH="0" baseline="0" dirty="0">
+                <a:ln>
+                  <a:noFill/>
+                </a:ln>
+                <a:solidFill>
+                  <a:schemeClr val="tx1"/>
+                </a:solidFill>
+                <a:effectLst/>
+                <a:latin typeface="Tahoma" charset="0"/>
+              </a:rPr>
+              <a:t>The read hooks will be replaced by violet hooks by </a:t>
+            </a:r>
+            <a:r>
+              <a:rPr kumimoji="0" lang="en-GB" sz="1800" b="0" i="0" u="none" strike="noStrike" cap="none" normalizeH="0" baseline="0" dirty="0" err="1">
+                <a:ln>
+                  <a:noFill/>
+                </a:ln>
+                <a:solidFill>
+                  <a:schemeClr val="tx1"/>
+                </a:solidFill>
+                <a:effectLst/>
+                <a:latin typeface="Tahoma" charset="0"/>
+              </a:rPr>
+              <a:t>Logika</a:t>
+            </a:r>
+            <a:r>
+              <a:rPr kumimoji="0" lang="en-GB" sz="1800" b="0" i="0" u="none" strike="noStrike" cap="none" normalizeH="0" baseline="0" dirty="0">
+                <a:ln>
+                  <a:noFill/>
+                </a:ln>
+                <a:solidFill>
+                  <a:schemeClr val="tx1"/>
+                </a:solidFill>
+                <a:effectLst/>
+                <a:latin typeface="Tahoma" charset="0"/>
+              </a:rPr>
+              <a:t> when the correct rewrite rules are specified</a:t>
+            </a:r>
+            <a:endParaRPr kumimoji="0" lang="en-GB" sz="1800" b="0" i="0" u="none" strike="noStrike" cap="none" normalizeH="0" baseline="0" dirty="0">
+              <a:ln>
+                <a:noFill/>
+              </a:ln>
+              <a:solidFill>
+                <a:srgbClr val="0070C0"/>
+              </a:solidFill>
+              <a:effectLst/>
+              <a:latin typeface="Menlo" panose="020B0609030804020204" pitchFamily="49" charset="0"/>
+              <a:ea typeface="Menlo" panose="020B0609030804020204" pitchFamily="49" charset="0"/>
+              <a:cs typeface="Menlo" panose="020B0609030804020204" pitchFamily="49" charset="0"/>
+            </a:endParaRPr>
+          </a:p>
+        </p:txBody>
+      </p:sp>
+      <p:cxnSp>
+        <p:nvCxnSpPr>
+          <p:cNvPr id="9" name="Straight Arrow Connector 8">
+            <a:extLst>
+              <a:ext uri="{FF2B5EF4-FFF2-40B4-BE49-F238E27FC236}">
+                <a16:creationId xmlns:a16="http://schemas.microsoft.com/office/drawing/2014/main" id="{635016D9-999A-7540-8344-8ECA3D21EBC0}"/>
+              </a:ext>
+            </a:extLst>
+          </p:cNvPr>
+          <p:cNvCxnSpPr>
+            <a:cxnSpLocks/>
+            <a:stCxn id="5" idx="1"/>
+            <a:endCxn id="4" idx="3"/>
+          </p:cNvCxnSpPr>
+          <p:nvPr/>
+        </p:nvCxnSpPr>
+        <p:spPr bwMode="auto">
+          <a:xfrm flipH="1">
+            <a:off x="990600" y="4464181"/>
+            <a:ext cx="3581400" cy="521782"/>
+          </a:xfrm>
+          <a:prstGeom prst="straightConnector1">
+            <a:avLst/>
+          </a:prstGeom>
+          <a:solidFill>
+            <a:schemeClr val="accent1"/>
+          </a:solidFill>
+          <a:ln w="15875" cap="flat" cmpd="sng" algn="ctr">
+            <a:solidFill>
+              <a:schemeClr val="tx1"/>
+            </a:solidFill>
+            <a:prstDash val="solid"/>
+            <a:miter lim="800000"/>
+            <a:headEnd type="none" w="med" len="med"/>
+            <a:tailEnd type="triangle" w="lg" len="med"/>
+          </a:ln>
+          <a:effectLst/>
+        </p:spPr>
+      </p:cxnSp>
+      <p:sp>
+        <p:nvSpPr>
+          <p:cNvPr id="10" name="Rectangle 9">
+            <a:extLst>
+              <a:ext uri="{FF2B5EF4-FFF2-40B4-BE49-F238E27FC236}">
+                <a16:creationId xmlns:a16="http://schemas.microsoft.com/office/drawing/2014/main" id="{5B2A373E-75BD-E0A6-786B-0E68B81FCE3E}"/>
+              </a:ext>
+            </a:extLst>
+          </p:cNvPr>
+          <p:cNvSpPr/>
+          <p:nvPr/>
+        </p:nvSpPr>
+        <p:spPr bwMode="auto">
+          <a:xfrm>
+            <a:off x="4572000" y="6362700"/>
+            <a:ext cx="2743200" cy="381000"/>
+          </a:xfrm>
+          <a:prstGeom prst="rect">
+            <a:avLst/>
+          </a:prstGeom>
+          <a:solidFill>
+            <a:srgbClr val="FFE267"/>
+          </a:solidFill>
+          <a:ln w="25400" cap="flat" cmpd="sng" algn="ctr">
+            <a:solidFill>
+              <a:srgbClr val="C00000"/>
+            </a:solidFill>
+            <a:prstDash val="solid"/>
+            <a:miter lim="800000"/>
+            <a:headEnd type="none" w="med" len="med"/>
+            <a:tailEnd type="none" w="med" len="med"/>
+          </a:ln>
+          <a:effectLst/>
+        </p:spPr>
+        <p:txBody>
+          <a:bodyPr vert="horz" wrap="none" lIns="91440" tIns="45720" rIns="91440" bIns="45720" numCol="1" rtlCol="0" anchor="t" anchorCtr="0" compatLnSpc="1">
+            <a:prstTxWarp prst="textNoShape">
+              <a:avLst/>
+            </a:prstTxWarp>
+          </a:bodyPr>
+          <a:lstStyle/>
+          <a:p>
+            <a:pPr marL="0" marR="0" indent="0" algn="l" defTabSz="914400" rtl="0" eaLnBrk="1" fontAlgn="base" latinLnBrk="0" hangingPunct="1">
+              <a:lnSpc>
+                <a:spcPct val="100000"/>
+              </a:lnSpc>
+              <a:spcBef>
+                <a:spcPct val="0"/>
+              </a:spcBef>
+              <a:spcAft>
+                <a:spcPct val="0"/>
+              </a:spcAft>
+              <a:buClrTx/>
+              <a:buSzTx/>
+              <a:buFontTx/>
+              <a:buNone/>
+              <a:tabLst/>
+            </a:pPr>
+            <a:r>
+              <a:rPr kumimoji="0" lang="en-GB" sz="1800" b="0" i="0" u="none" strike="noStrike" cap="none" normalizeH="0" baseline="0" dirty="0">
+                <a:ln>
+                  <a:noFill/>
+                </a:ln>
+                <a:solidFill>
+                  <a:schemeClr val="tx1"/>
+                </a:solidFill>
+                <a:effectLst/>
+                <a:latin typeface="Tahoma" charset="0"/>
+              </a:rPr>
+              <a:t>File: A01_01_Min_Max.sc</a:t>
+            </a:r>
           </a:p>
         </p:txBody>
       </p:sp>

--- a/slides/A-01-02-Proofs-Structure.pptx
+++ b/slides/A-01-02-Proofs-Structure.pptx
@@ -6214,7 +6214,15 @@
             </a:pPr>
             <a:r>
               <a:rPr lang="en-GB" sz="1800" dirty="0"/>
-              <a:t>The shown proof is only natural deduction style – it relies entirely on the SMT solver for the facts (</a:t>
+              <a:t>The shown proof is only natural deduction </a:t>
+            </a:r>
+            <a:r>
+              <a:rPr lang="en-GB" sz="1800" i="1" dirty="0"/>
+              <a:t>style</a:t>
+            </a:r>
+            <a:r>
+              <a:rPr lang="en-GB" sz="1800" dirty="0"/>
+              <a:t> – it relies entirely on the SMT solver for the facts (</a:t>
             </a:r>
             <a:r>
               <a:rPr lang="en-GB" sz="1800" dirty="0">
@@ -7473,7 +7481,59 @@
                 <a:effectLst/>
                 <a:latin typeface="Tahoma" charset="0"/>
               </a:rPr>
-              <a:t>The read hooks will be replaced by violet hooks by </a:t>
+              <a:t>The </a:t>
+            </a:r>
+            <a:r>
+              <a:rPr kumimoji="0" lang="en-GB" sz="1800" b="0" i="0" u="none" strike="noStrike" cap="none" normalizeH="0" baseline="0" dirty="0">
+                <a:ln>
+                  <a:noFill/>
+                </a:ln>
+                <a:solidFill>
+                  <a:srgbClr val="FF0000"/>
+                </a:solidFill>
+                <a:effectLst/>
+                <a:latin typeface="Tahoma" charset="0"/>
+              </a:rPr>
+              <a:t>red</a:t>
+            </a:r>
+            <a:r>
+              <a:rPr kumimoji="0" lang="en-GB" sz="1800" b="0" i="0" u="none" strike="noStrike" cap="none" normalizeH="0" baseline="0" dirty="0">
+                <a:ln>
+                  <a:noFill/>
+                </a:ln>
+                <a:solidFill>
+                  <a:schemeClr val="tx1"/>
+                </a:solidFill>
+                <a:effectLst/>
+                <a:latin typeface="Tahoma" charset="0"/>
+              </a:rPr>
+              <a:t> hooks will be replaced by </a:t>
+            </a:r>
+            <a:r>
+              <a:rPr kumimoji="0" lang="en-GB" sz="1800" b="0" i="0" u="none" strike="noStrike" cap="none" normalizeH="0" baseline="0" dirty="0">
+                <a:ln>
+                  <a:noFill/>
+                </a:ln>
+                <a:solidFill>
+                  <a:srgbClr val="8424F8"/>
+                </a:solidFill>
+                <a:effectLst/>
+                <a:latin typeface="Tahoma" charset="0"/>
+              </a:rPr>
+              <a:t>violet</a:t>
+            </a:r>
+            <a:r>
+              <a:rPr kumimoji="0" lang="en-GB" sz="1800" b="0" i="0" u="none" strike="noStrike" cap="none" normalizeH="0" baseline="0" dirty="0">
+                <a:ln>
+                  <a:noFill/>
+                </a:ln>
+                <a:solidFill>
+                  <a:schemeClr val="tx1"/>
+                </a:solidFill>
+                <a:effectLst/>
+                <a:latin typeface="Tahoma" charset="0"/>
+              </a:rPr>
+              <a:t> hooks by </a:t>
             </a:r>
             <a:r>
               <a:rPr kumimoji="0" lang="en-GB" sz="1800" b="0" i="0" u="none" strike="noStrike" cap="none" normalizeH="0" baseline="0" dirty="0" err="1">
